--- a/Seminar/Report/Final_Report.pptx
+++ b/Seminar/Report/Final_Report.pptx
@@ -5,7 +5,7 @@
     <p:sldMasterId id="2147483660" r:id="rId1"/>
   </p:sldMasterIdLst>
   <p:notesMasterIdLst>
-    <p:notesMasterId r:id="rId23"/>
+    <p:notesMasterId r:id="rId26"/>
   </p:notesMasterIdLst>
   <p:sldIdLst>
     <p:sldId id="257" r:id="rId2"/>
@@ -22,13 +22,16 @@
     <p:sldId id="272" r:id="rId13"/>
     <p:sldId id="273" r:id="rId14"/>
     <p:sldId id="274" r:id="rId15"/>
-    <p:sldId id="267" r:id="rId16"/>
-    <p:sldId id="279" r:id="rId17"/>
-    <p:sldId id="280" r:id="rId18"/>
-    <p:sldId id="281" r:id="rId19"/>
-    <p:sldId id="278" r:id="rId20"/>
-    <p:sldId id="263" r:id="rId21"/>
-    <p:sldId id="264" r:id="rId22"/>
+    <p:sldId id="282" r:id="rId16"/>
+    <p:sldId id="283" r:id="rId17"/>
+    <p:sldId id="267" r:id="rId18"/>
+    <p:sldId id="279" r:id="rId19"/>
+    <p:sldId id="280" r:id="rId20"/>
+    <p:sldId id="281" r:id="rId21"/>
+    <p:sldId id="278" r:id="rId22"/>
+    <p:sldId id="284" r:id="rId23"/>
+    <p:sldId id="263" r:id="rId24"/>
+    <p:sldId id="264" r:id="rId25"/>
   </p:sldIdLst>
   <p:sldSz cx="12192000" cy="6858000"/>
   <p:notesSz cx="6858000" cy="9144000"/>
@@ -217,7 +220,7 @@
           <a:p>
             <a:fld id="{241EB4C3-D07F-40AB-88AE-D7434C37ADB1}" type="datetimeFigureOut">
               <a:rPr lang="en-US" smtClean="0"/>
-              <a:t>5/21/2022</a:t>
+              <a:t>5/28/2022</a:t>
             </a:fld>
             <a:endParaRPr lang="en-US"/>
           </a:p>
@@ -2182,7 +2185,7 @@
     </p:spTree>
     <p:extLst>
       <p:ext uri="{BB962C8B-B14F-4D97-AF65-F5344CB8AC3E}">
-        <p14:creationId xmlns:p14="http://schemas.microsoft.com/office/powerpoint/2010/main" val="1037137071"/>
+        <p14:creationId xmlns:p14="http://schemas.microsoft.com/office/powerpoint/2010/main" val="360249133"/>
       </p:ext>
     </p:extLst>
   </p:cSld>
@@ -2426,7 +2429,7 @@
     </p:spTree>
     <p:extLst>
       <p:ext uri="{BB962C8B-B14F-4D97-AF65-F5344CB8AC3E}">
-        <p14:creationId xmlns:p14="http://schemas.microsoft.com/office/powerpoint/2010/main" val="3878493889"/>
+        <p14:creationId xmlns:p14="http://schemas.microsoft.com/office/powerpoint/2010/main" val="4283015826"/>
       </p:ext>
     </p:extLst>
   </p:cSld>
@@ -2670,7 +2673,7 @@
     </p:spTree>
     <p:extLst>
       <p:ext uri="{BB962C8B-B14F-4D97-AF65-F5344CB8AC3E}">
-        <p14:creationId xmlns:p14="http://schemas.microsoft.com/office/powerpoint/2010/main" val="3309099984"/>
+        <p14:creationId xmlns:p14="http://schemas.microsoft.com/office/powerpoint/2010/main" val="1037137071"/>
       </p:ext>
     </p:extLst>
   </p:cSld>
@@ -2914,7 +2917,7 @@
     </p:spTree>
     <p:extLst>
       <p:ext uri="{BB962C8B-B14F-4D97-AF65-F5344CB8AC3E}">
-        <p14:creationId xmlns:p14="http://schemas.microsoft.com/office/powerpoint/2010/main" val="1004434215"/>
+        <p14:creationId xmlns:p14="http://schemas.microsoft.com/office/powerpoint/2010/main" val="3878493889"/>
       </p:ext>
     </p:extLst>
   </p:cSld>
@@ -3158,7 +3161,7 @@
     </p:spTree>
     <p:extLst>
       <p:ext uri="{BB962C8B-B14F-4D97-AF65-F5344CB8AC3E}">
-        <p14:creationId xmlns:p14="http://schemas.microsoft.com/office/powerpoint/2010/main" val="480383876"/>
+        <p14:creationId xmlns:p14="http://schemas.microsoft.com/office/powerpoint/2010/main" val="3309099984"/>
       </p:ext>
     </p:extLst>
   </p:cSld>
@@ -3452,26 +3455,9 @@
           <a:bodyPr/>
           <a:lstStyle/>
           <a:p>
-            <a:pPr marL="0" marR="0" indent="0" algn="l" defTabSz="914400" rtl="0" eaLnBrk="1" fontAlgn="auto" latinLnBrk="0" hangingPunct="1">
-              <a:lnSpc>
-                <a:spcPct val="100000"/>
-              </a:lnSpc>
-              <a:spcBef>
-                <a:spcPts val="0"/>
-              </a:spcBef>
-              <a:spcAft>
-                <a:spcPts val="0"/>
-              </a:spcAft>
-              <a:buClrTx/>
-              <a:buSzTx/>
-              <a:buFontTx/>
-              <a:buNone/>
-              <a:tabLst/>
-              <a:defRPr/>
-            </a:pPr>
             <a:r>
               <a:rPr lang="id-ID" dirty="0"/>
-              <a:t>INTRODUCTION page </a:t>
+              <a:t>WELCOME SCREEN </a:t>
             </a:r>
             <a:r>
               <a:rPr lang="id-ID" dirty="0">
@@ -3483,72 +3469,93 @@
               <a:rPr lang="id-ID" baseline="0" dirty="0">
                 <a:sym typeface="Wingdings" panose="05000000000000000000" pitchFamily="2" charset="2"/>
               </a:rPr>
-              <a:t> Content is editable </a:t>
-            </a:r>
-          </a:p>
-          <a:p>
-            <a:pPr marL="0" marR="0" indent="0" algn="l" defTabSz="914400" rtl="0" eaLnBrk="1" fontAlgn="auto" latinLnBrk="0" hangingPunct="1">
-              <a:lnSpc>
-                <a:spcPct val="100000"/>
-              </a:lnSpc>
-              <a:spcBef>
-                <a:spcPts val="0"/>
-              </a:spcBef>
-              <a:spcAft>
-                <a:spcPts val="0"/>
-              </a:spcAft>
-              <a:buClrTx/>
-              <a:buSzTx/>
-              <a:buFontTx/>
-              <a:buNone/>
-              <a:tabLst/>
-              <a:defRPr/>
-            </a:pPr>
-            <a:br>
-              <a:rPr lang="id-ID" baseline="0" dirty="0">
+              <a:t> Content is editable –and- or you can put your logo on there</a:t>
+            </a:r>
+            <a:r>
+              <a:rPr lang="id-ID" dirty="0">
                 <a:sym typeface="Wingdings" panose="05000000000000000000" pitchFamily="2" charset="2"/>
               </a:rPr>
-            </a:br>
-            <a:r>
-              <a:rPr lang="en-ID" baseline="0" dirty="0">
-                <a:sym typeface="Wingdings" panose="05000000000000000000" pitchFamily="2" charset="2"/>
-              </a:rPr>
-              <a:t>For edit Footer or visible content  you must getting to the Master Slide -&gt; click “VIEW” tab -&gt; in the “Master Views” group, click “Slide Master”. (–and- or you can </a:t>
-            </a:r>
-            <a:r>
-              <a:rPr lang="en-ID" baseline="0" dirty="0" err="1">
-                <a:sym typeface="Wingdings" panose="05000000000000000000" pitchFamily="2" charset="2"/>
-              </a:rPr>
-              <a:t>changeyour</a:t>
-            </a:r>
-            <a:r>
-              <a:rPr lang="en-ID" baseline="0" dirty="0">
-                <a:sym typeface="Wingdings" panose="05000000000000000000" pitchFamily="2" charset="2"/>
-              </a:rPr>
-              <a:t> logo on there”)</a:t>
-            </a:r>
-          </a:p>
-          <a:p>
-            <a:pPr marL="0" marR="0" indent="0" algn="l" defTabSz="914400" rtl="0" eaLnBrk="1" fontAlgn="auto" latinLnBrk="0" hangingPunct="1">
-              <a:lnSpc>
-                <a:spcPct val="100000"/>
-              </a:lnSpc>
-              <a:spcBef>
-                <a:spcPts val="0"/>
-              </a:spcBef>
-              <a:spcAft>
-                <a:spcPts val="0"/>
-              </a:spcAft>
-              <a:buClrTx/>
-              <a:buSzTx/>
-              <a:buFontTx/>
-              <a:buNone/>
-              <a:tabLst/>
-              <a:defRPr/>
-            </a:pPr>
-            <a:endParaRPr lang="en-ID" baseline="0" dirty="0">
+              <a:t>”</a:t>
+            </a:r>
+            <a:endParaRPr lang="en-ID" dirty="0">
               <a:sym typeface="Wingdings" panose="05000000000000000000" pitchFamily="2" charset="2"/>
             </a:endParaRPr>
+          </a:p>
+          <a:p>
+            <a:endParaRPr lang="en-ID" dirty="0">
+              <a:sym typeface="Wingdings" panose="05000000000000000000" pitchFamily="2" charset="2"/>
+            </a:endParaRPr>
+          </a:p>
+          <a:p>
+            <a:r>
+              <a:rPr lang="en-US" sz="1600" b="1" dirty="0"/>
+              <a:t>Please</a:t>
+            </a:r>
+            <a:r>
+              <a:rPr lang="en-US" sz="1600" b="1" baseline="0" dirty="0"/>
+              <a:t> Read this Notice Before you start working with this Template</a:t>
+            </a:r>
+          </a:p>
+          <a:p>
+            <a:endParaRPr lang="en-US" b="1" baseline="0" dirty="0"/>
+          </a:p>
+          <a:p>
+            <a:r>
+              <a:rPr lang="en-US" sz="1200" b="0" baseline="0" dirty="0"/>
+              <a:t>Please </a:t>
+            </a:r>
+            <a:r>
+              <a:rPr lang="en-US" sz="1200" b="1" baseline="0" dirty="0"/>
+              <a:t>Install the following Fonts </a:t>
+            </a:r>
+            <a:r>
+              <a:rPr lang="en-US" sz="1200" b="0" baseline="0" dirty="0"/>
+              <a:t>and/or make sure its already available on your system.</a:t>
+            </a:r>
+          </a:p>
+          <a:p>
+            <a:endParaRPr lang="en-US" sz="1200" b="0" baseline="0" dirty="0"/>
+          </a:p>
+          <a:p>
+            <a:r>
+              <a:rPr lang="en-US" sz="1200" b="1" baseline="0" dirty="0"/>
+              <a:t>Open  Sans Family</a:t>
+            </a:r>
+          </a:p>
+          <a:p>
+            <a:r>
+              <a:rPr lang="en-US" sz="1200" b="1" baseline="0" dirty="0"/>
+              <a:t>Available @ fontsquirell.com</a:t>
+            </a:r>
+          </a:p>
+          <a:p>
+            <a:endParaRPr lang="en-US" sz="1200" b="1" baseline="0" dirty="0"/>
+          </a:p>
+          <a:p>
+            <a:r>
+              <a:rPr lang="en-US" sz="1200" b="1" baseline="0" dirty="0" err="1"/>
+              <a:t>Callibri</a:t>
+            </a:r>
+            <a:endParaRPr lang="en-US" sz="1200" b="1" baseline="0" dirty="0"/>
+          </a:p>
+          <a:p>
+            <a:r>
+              <a:rPr lang="en-US" sz="1200" b="1" baseline="0" dirty="0"/>
+              <a:t>Microsoft &amp; Office System Font</a:t>
+            </a:r>
+          </a:p>
+          <a:p>
+            <a:endParaRPr lang="en-ID" dirty="0">
+              <a:sym typeface="Wingdings" panose="05000000000000000000" pitchFamily="2" charset="2"/>
+            </a:endParaRPr>
+          </a:p>
+          <a:p>
+            <a:endParaRPr lang="en-ID" dirty="0">
+              <a:sym typeface="Wingdings" panose="05000000000000000000" pitchFamily="2" charset="2"/>
+            </a:endParaRPr>
+          </a:p>
+          <a:p>
+            <a:endParaRPr lang="id-ID" dirty="0"/>
           </a:p>
         </p:txBody>
       </p:sp>
@@ -3638,7 +3645,7 @@
     </p:spTree>
     <p:extLst>
       <p:ext uri="{BB962C8B-B14F-4D97-AF65-F5344CB8AC3E}">
-        <p14:creationId xmlns:p14="http://schemas.microsoft.com/office/powerpoint/2010/main" val="2104385161"/>
+        <p14:creationId xmlns:p14="http://schemas.microsoft.com/office/powerpoint/2010/main" val="1004434215"/>
       </p:ext>
     </p:extLst>
   </p:cSld>
@@ -3692,26 +3699,9 @@
           <a:bodyPr/>
           <a:lstStyle/>
           <a:p>
-            <a:pPr marL="0" marR="0" indent="0" algn="l" defTabSz="914400" rtl="0" eaLnBrk="1" fontAlgn="auto" latinLnBrk="0" hangingPunct="1">
-              <a:lnSpc>
-                <a:spcPct val="100000"/>
-              </a:lnSpc>
-              <a:spcBef>
-                <a:spcPts val="0"/>
-              </a:spcBef>
-              <a:spcAft>
-                <a:spcPts val="0"/>
-              </a:spcAft>
-              <a:buClrTx/>
-              <a:buSzTx/>
-              <a:buFontTx/>
-              <a:buNone/>
-              <a:tabLst/>
-              <a:defRPr/>
-            </a:pPr>
             <a:r>
               <a:rPr lang="id-ID" dirty="0"/>
-              <a:t>INTRODUCTION page </a:t>
+              <a:t>WELCOME SCREEN </a:t>
             </a:r>
             <a:r>
               <a:rPr lang="id-ID" dirty="0">
@@ -3723,72 +3713,93 @@
               <a:rPr lang="id-ID" baseline="0" dirty="0">
                 <a:sym typeface="Wingdings" panose="05000000000000000000" pitchFamily="2" charset="2"/>
               </a:rPr>
-              <a:t> Content is editable </a:t>
-            </a:r>
-          </a:p>
-          <a:p>
-            <a:pPr marL="0" marR="0" indent="0" algn="l" defTabSz="914400" rtl="0" eaLnBrk="1" fontAlgn="auto" latinLnBrk="0" hangingPunct="1">
-              <a:lnSpc>
-                <a:spcPct val="100000"/>
-              </a:lnSpc>
-              <a:spcBef>
-                <a:spcPts val="0"/>
-              </a:spcBef>
-              <a:spcAft>
-                <a:spcPts val="0"/>
-              </a:spcAft>
-              <a:buClrTx/>
-              <a:buSzTx/>
-              <a:buFontTx/>
-              <a:buNone/>
-              <a:tabLst/>
-              <a:defRPr/>
-            </a:pPr>
-            <a:br>
-              <a:rPr lang="id-ID" baseline="0" dirty="0">
+              <a:t> Content is editable –and- or you can put your logo on there</a:t>
+            </a:r>
+            <a:r>
+              <a:rPr lang="id-ID" dirty="0">
                 <a:sym typeface="Wingdings" panose="05000000000000000000" pitchFamily="2" charset="2"/>
               </a:rPr>
-            </a:br>
-            <a:r>
-              <a:rPr lang="en-ID" baseline="0" dirty="0">
-                <a:sym typeface="Wingdings" panose="05000000000000000000" pitchFamily="2" charset="2"/>
-              </a:rPr>
-              <a:t>For edit Footer or visible content  you must getting to the Master Slide -&gt; click “VIEW” tab -&gt; in the “Master Views” group, click “Slide Master”. (–and- or you can </a:t>
-            </a:r>
-            <a:r>
-              <a:rPr lang="en-ID" baseline="0" dirty="0" err="1">
-                <a:sym typeface="Wingdings" panose="05000000000000000000" pitchFamily="2" charset="2"/>
-              </a:rPr>
-              <a:t>changeyour</a:t>
-            </a:r>
-            <a:r>
-              <a:rPr lang="en-ID" baseline="0" dirty="0">
-                <a:sym typeface="Wingdings" panose="05000000000000000000" pitchFamily="2" charset="2"/>
-              </a:rPr>
-              <a:t> logo on there”)</a:t>
-            </a:r>
-          </a:p>
-          <a:p>
-            <a:pPr marL="0" marR="0" indent="0" algn="l" defTabSz="914400" rtl="0" eaLnBrk="1" fontAlgn="auto" latinLnBrk="0" hangingPunct="1">
-              <a:lnSpc>
-                <a:spcPct val="100000"/>
-              </a:lnSpc>
-              <a:spcBef>
-                <a:spcPts val="0"/>
-              </a:spcBef>
-              <a:spcAft>
-                <a:spcPts val="0"/>
-              </a:spcAft>
-              <a:buClrTx/>
-              <a:buSzTx/>
-              <a:buFontTx/>
-              <a:buNone/>
-              <a:tabLst/>
-              <a:defRPr/>
-            </a:pPr>
-            <a:endParaRPr lang="en-ID" baseline="0" dirty="0">
+              <a:t>”</a:t>
+            </a:r>
+            <a:endParaRPr lang="en-ID" dirty="0">
               <a:sym typeface="Wingdings" panose="05000000000000000000" pitchFamily="2" charset="2"/>
             </a:endParaRPr>
+          </a:p>
+          <a:p>
+            <a:endParaRPr lang="en-ID" dirty="0">
+              <a:sym typeface="Wingdings" panose="05000000000000000000" pitchFamily="2" charset="2"/>
+            </a:endParaRPr>
+          </a:p>
+          <a:p>
+            <a:r>
+              <a:rPr lang="en-US" sz="1600" b="1" dirty="0"/>
+              <a:t>Please</a:t>
+            </a:r>
+            <a:r>
+              <a:rPr lang="en-US" sz="1600" b="1" baseline="0" dirty="0"/>
+              <a:t> Read this Notice Before you start working with this Template</a:t>
+            </a:r>
+          </a:p>
+          <a:p>
+            <a:endParaRPr lang="en-US" b="1" baseline="0" dirty="0"/>
+          </a:p>
+          <a:p>
+            <a:r>
+              <a:rPr lang="en-US" sz="1200" b="0" baseline="0" dirty="0"/>
+              <a:t>Please </a:t>
+            </a:r>
+            <a:r>
+              <a:rPr lang="en-US" sz="1200" b="1" baseline="0" dirty="0"/>
+              <a:t>Install the following Fonts </a:t>
+            </a:r>
+            <a:r>
+              <a:rPr lang="en-US" sz="1200" b="0" baseline="0" dirty="0"/>
+              <a:t>and/or make sure its already available on your system.</a:t>
+            </a:r>
+          </a:p>
+          <a:p>
+            <a:endParaRPr lang="en-US" sz="1200" b="0" baseline="0" dirty="0"/>
+          </a:p>
+          <a:p>
+            <a:r>
+              <a:rPr lang="en-US" sz="1200" b="1" baseline="0" dirty="0"/>
+              <a:t>Open  Sans Family</a:t>
+            </a:r>
+          </a:p>
+          <a:p>
+            <a:r>
+              <a:rPr lang="en-US" sz="1200" b="1" baseline="0" dirty="0"/>
+              <a:t>Available @ fontsquirell.com</a:t>
+            </a:r>
+          </a:p>
+          <a:p>
+            <a:endParaRPr lang="en-US" sz="1200" b="1" baseline="0" dirty="0"/>
+          </a:p>
+          <a:p>
+            <a:r>
+              <a:rPr lang="en-US" sz="1200" b="1" baseline="0" dirty="0" err="1"/>
+              <a:t>Callibri</a:t>
+            </a:r>
+            <a:endParaRPr lang="en-US" sz="1200" b="1" baseline="0" dirty="0"/>
+          </a:p>
+          <a:p>
+            <a:r>
+              <a:rPr lang="en-US" sz="1200" b="1" baseline="0" dirty="0"/>
+              <a:t>Microsoft &amp; Office System Font</a:t>
+            </a:r>
+          </a:p>
+          <a:p>
+            <a:endParaRPr lang="en-ID" dirty="0">
+              <a:sym typeface="Wingdings" panose="05000000000000000000" pitchFamily="2" charset="2"/>
+            </a:endParaRPr>
+          </a:p>
+          <a:p>
+            <a:endParaRPr lang="en-ID" dirty="0">
+              <a:sym typeface="Wingdings" panose="05000000000000000000" pitchFamily="2" charset="2"/>
+            </a:endParaRPr>
+          </a:p>
+          <a:p>
+            <a:endParaRPr lang="id-ID" dirty="0"/>
           </a:p>
         </p:txBody>
       </p:sp>
@@ -3857,6 +3868,730 @@
                 <a:defRPr/>
               </a:pPr>
               <a:t>21</a:t>
+            </a:fld>
+            <a:endParaRPr kumimoji="0" lang="id-ID" sz="1200" b="0" i="0" u="none" strike="noStrike" kern="1200" cap="none" spc="0" normalizeH="0" baseline="0" noProof="0">
+              <a:ln>
+                <a:noFill/>
+              </a:ln>
+              <a:solidFill>
+                <a:prstClr val="black"/>
+              </a:solidFill>
+              <a:effectLst/>
+              <a:uLnTx/>
+              <a:uFillTx/>
+              <a:latin typeface="Calibri" panose="020F0502020204030204"/>
+              <a:ea typeface="+mn-ea"/>
+              <a:cs typeface="+mn-cs"/>
+            </a:endParaRPr>
+          </a:p>
+        </p:txBody>
+      </p:sp>
+    </p:spTree>
+    <p:extLst>
+      <p:ext uri="{BB962C8B-B14F-4D97-AF65-F5344CB8AC3E}">
+        <p14:creationId xmlns:p14="http://schemas.microsoft.com/office/powerpoint/2010/main" val="480383876"/>
+      </p:ext>
+    </p:extLst>
+  </p:cSld>
+  <p:clrMapOvr>
+    <a:masterClrMapping/>
+  </p:clrMapOvr>
+</p:notes>
+</file>
+
+<file path=ppt/notesSlides/notesSlide22.xml><?xml version="1.0" encoding="utf-8"?>
+<p:notes xmlns:a="http://schemas.openxmlformats.org/drawingml/2006/main" xmlns:r="http://schemas.openxmlformats.org/officeDocument/2006/relationships" xmlns:p="http://schemas.openxmlformats.org/presentationml/2006/main">
+  <p:cSld>
+    <p:spTree>
+      <p:nvGrpSpPr>
+        <p:cNvPr id="1" name=""/>
+        <p:cNvGrpSpPr/>
+        <p:nvPr/>
+      </p:nvGrpSpPr>
+      <p:grpSpPr>
+        <a:xfrm>
+          <a:off x="0" y="0"/>
+          <a:ext cx="0" cy="0"/>
+          <a:chOff x="0" y="0"/>
+          <a:chExt cx="0" cy="0"/>
+        </a:xfrm>
+      </p:grpSpPr>
+      <p:sp>
+        <p:nvSpPr>
+          <p:cNvPr id="2" name="Slide Image Placeholder 1"/>
+          <p:cNvSpPr>
+            <a:spLocks noGrp="1" noRot="1" noChangeAspect="1"/>
+          </p:cNvSpPr>
+          <p:nvPr>
+            <p:ph type="sldImg"/>
+          </p:nvPr>
+        </p:nvSpPr>
+        <p:spPr/>
+      </p:sp>
+      <p:sp>
+        <p:nvSpPr>
+          <p:cNvPr id="3" name="Notes Placeholder 2"/>
+          <p:cNvSpPr>
+            <a:spLocks noGrp="1"/>
+          </p:cNvSpPr>
+          <p:nvPr>
+            <p:ph type="body" idx="1"/>
+          </p:nvPr>
+        </p:nvSpPr>
+        <p:spPr/>
+        <p:txBody>
+          <a:bodyPr/>
+          <a:lstStyle/>
+          <a:p>
+            <a:r>
+              <a:rPr lang="id-ID" dirty="0"/>
+              <a:t>WELCOME SCREEN </a:t>
+            </a:r>
+            <a:r>
+              <a:rPr lang="id-ID" dirty="0">
+                <a:sym typeface="Wingdings" panose="05000000000000000000" pitchFamily="2" charset="2"/>
+              </a:rPr>
+              <a:t> “All</a:t>
+            </a:r>
+            <a:r>
+              <a:rPr lang="id-ID" baseline="0" dirty="0">
+                <a:sym typeface="Wingdings" panose="05000000000000000000" pitchFamily="2" charset="2"/>
+              </a:rPr>
+              <a:t> Content is editable –and- or you can put your logo on there</a:t>
+            </a:r>
+            <a:r>
+              <a:rPr lang="id-ID" dirty="0">
+                <a:sym typeface="Wingdings" panose="05000000000000000000" pitchFamily="2" charset="2"/>
+              </a:rPr>
+              <a:t>”</a:t>
+            </a:r>
+            <a:endParaRPr lang="en-ID" dirty="0">
+              <a:sym typeface="Wingdings" panose="05000000000000000000" pitchFamily="2" charset="2"/>
+            </a:endParaRPr>
+          </a:p>
+          <a:p>
+            <a:endParaRPr lang="en-ID" dirty="0">
+              <a:sym typeface="Wingdings" panose="05000000000000000000" pitchFamily="2" charset="2"/>
+            </a:endParaRPr>
+          </a:p>
+          <a:p>
+            <a:r>
+              <a:rPr lang="en-US" sz="1600" b="1" dirty="0"/>
+              <a:t>Please</a:t>
+            </a:r>
+            <a:r>
+              <a:rPr lang="en-US" sz="1600" b="1" baseline="0" dirty="0"/>
+              <a:t> Read this Notice Before you start working with this Template</a:t>
+            </a:r>
+          </a:p>
+          <a:p>
+            <a:endParaRPr lang="en-US" b="1" baseline="0" dirty="0"/>
+          </a:p>
+          <a:p>
+            <a:r>
+              <a:rPr lang="en-US" sz="1200" b="0" baseline="0" dirty="0"/>
+              <a:t>Please </a:t>
+            </a:r>
+            <a:r>
+              <a:rPr lang="en-US" sz="1200" b="1" baseline="0" dirty="0"/>
+              <a:t>Install the following Fonts </a:t>
+            </a:r>
+            <a:r>
+              <a:rPr lang="en-US" sz="1200" b="0" baseline="0" dirty="0"/>
+              <a:t>and/or make sure its already available on your system.</a:t>
+            </a:r>
+          </a:p>
+          <a:p>
+            <a:endParaRPr lang="en-US" sz="1200" b="0" baseline="0" dirty="0"/>
+          </a:p>
+          <a:p>
+            <a:r>
+              <a:rPr lang="en-US" sz="1200" b="1" baseline="0" dirty="0"/>
+              <a:t>Open  Sans Family</a:t>
+            </a:r>
+          </a:p>
+          <a:p>
+            <a:r>
+              <a:rPr lang="en-US" sz="1200" b="1" baseline="0" dirty="0"/>
+              <a:t>Available @ fontsquirell.com</a:t>
+            </a:r>
+          </a:p>
+          <a:p>
+            <a:endParaRPr lang="en-US" sz="1200" b="1" baseline="0" dirty="0"/>
+          </a:p>
+          <a:p>
+            <a:r>
+              <a:rPr lang="en-US" sz="1200" b="1" baseline="0" dirty="0" err="1"/>
+              <a:t>Callibri</a:t>
+            </a:r>
+            <a:endParaRPr lang="en-US" sz="1200" b="1" baseline="0" dirty="0"/>
+          </a:p>
+          <a:p>
+            <a:r>
+              <a:rPr lang="en-US" sz="1200" b="1" baseline="0" dirty="0"/>
+              <a:t>Microsoft &amp; Office System Font</a:t>
+            </a:r>
+          </a:p>
+          <a:p>
+            <a:endParaRPr lang="en-ID" dirty="0">
+              <a:sym typeface="Wingdings" panose="05000000000000000000" pitchFamily="2" charset="2"/>
+            </a:endParaRPr>
+          </a:p>
+          <a:p>
+            <a:endParaRPr lang="en-ID" dirty="0">
+              <a:sym typeface="Wingdings" panose="05000000000000000000" pitchFamily="2" charset="2"/>
+            </a:endParaRPr>
+          </a:p>
+          <a:p>
+            <a:endParaRPr lang="id-ID" dirty="0"/>
+          </a:p>
+        </p:txBody>
+      </p:sp>
+      <p:sp>
+        <p:nvSpPr>
+          <p:cNvPr id="4" name="Slide Number Placeholder 3"/>
+          <p:cNvSpPr>
+            <a:spLocks noGrp="1"/>
+          </p:cNvSpPr>
+          <p:nvPr>
+            <p:ph type="sldNum" sz="quarter" idx="10"/>
+          </p:nvPr>
+        </p:nvSpPr>
+        <p:spPr/>
+        <p:txBody>
+          <a:bodyPr/>
+          <a:lstStyle/>
+          <a:p>
+            <a:pPr marL="0" marR="0" lvl="0" indent="0" algn="r" defTabSz="914400" rtl="0" eaLnBrk="1" fontAlgn="auto" latinLnBrk="0" hangingPunct="1">
+              <a:lnSpc>
+                <a:spcPct val="100000"/>
+              </a:lnSpc>
+              <a:spcBef>
+                <a:spcPts val="0"/>
+              </a:spcBef>
+              <a:spcAft>
+                <a:spcPts val="0"/>
+              </a:spcAft>
+              <a:buClrTx/>
+              <a:buSzTx/>
+              <a:buFontTx/>
+              <a:buNone/>
+              <a:tabLst/>
+              <a:defRPr/>
+            </a:pPr>
+            <a:fld id="{02C4C06F-1732-4219-9546-4DB3F1409D7A}" type="slidenum">
+              <a:rPr kumimoji="0" lang="id-ID" sz="1200" b="0" i="0" u="none" strike="noStrike" kern="1200" cap="none" spc="0" normalizeH="0" baseline="0" noProof="0" smtClean="0">
+                <a:ln>
+                  <a:noFill/>
+                </a:ln>
+                <a:solidFill>
+                  <a:prstClr val="black"/>
+                </a:solidFill>
+                <a:effectLst/>
+                <a:uLnTx/>
+                <a:uFillTx/>
+                <a:latin typeface="Calibri" panose="020F0502020204030204"/>
+                <a:ea typeface="+mn-ea"/>
+                <a:cs typeface="+mn-cs"/>
+              </a:rPr>
+              <a:pPr marL="0" marR="0" lvl="0" indent="0" algn="r" defTabSz="914400" rtl="0" eaLnBrk="1" fontAlgn="auto" latinLnBrk="0" hangingPunct="1">
+                <a:lnSpc>
+                  <a:spcPct val="100000"/>
+                </a:lnSpc>
+                <a:spcBef>
+                  <a:spcPts val="0"/>
+                </a:spcBef>
+                <a:spcAft>
+                  <a:spcPts val="0"/>
+                </a:spcAft>
+                <a:buClrTx/>
+                <a:buSzTx/>
+                <a:buFontTx/>
+                <a:buNone/>
+                <a:tabLst/>
+                <a:defRPr/>
+              </a:pPr>
+              <a:t>22</a:t>
+            </a:fld>
+            <a:endParaRPr kumimoji="0" lang="id-ID" sz="1200" b="0" i="0" u="none" strike="noStrike" kern="1200" cap="none" spc="0" normalizeH="0" baseline="0" noProof="0">
+              <a:ln>
+                <a:noFill/>
+              </a:ln>
+              <a:solidFill>
+                <a:prstClr val="black"/>
+              </a:solidFill>
+              <a:effectLst/>
+              <a:uLnTx/>
+              <a:uFillTx/>
+              <a:latin typeface="Calibri" panose="020F0502020204030204"/>
+              <a:ea typeface="+mn-ea"/>
+              <a:cs typeface="+mn-cs"/>
+            </a:endParaRPr>
+          </a:p>
+        </p:txBody>
+      </p:sp>
+    </p:spTree>
+    <p:extLst>
+      <p:ext uri="{BB962C8B-B14F-4D97-AF65-F5344CB8AC3E}">
+        <p14:creationId xmlns:p14="http://schemas.microsoft.com/office/powerpoint/2010/main" val="2023670649"/>
+      </p:ext>
+    </p:extLst>
+  </p:cSld>
+  <p:clrMapOvr>
+    <a:masterClrMapping/>
+  </p:clrMapOvr>
+</p:notes>
+</file>
+
+<file path=ppt/notesSlides/notesSlide23.xml><?xml version="1.0" encoding="utf-8"?>
+<p:notes xmlns:a="http://schemas.openxmlformats.org/drawingml/2006/main" xmlns:r="http://schemas.openxmlformats.org/officeDocument/2006/relationships" xmlns:p="http://schemas.openxmlformats.org/presentationml/2006/main">
+  <p:cSld>
+    <p:spTree>
+      <p:nvGrpSpPr>
+        <p:cNvPr id="1" name=""/>
+        <p:cNvGrpSpPr/>
+        <p:nvPr/>
+      </p:nvGrpSpPr>
+      <p:grpSpPr>
+        <a:xfrm>
+          <a:off x="0" y="0"/>
+          <a:ext cx="0" cy="0"/>
+          <a:chOff x="0" y="0"/>
+          <a:chExt cx="0" cy="0"/>
+        </a:xfrm>
+      </p:grpSpPr>
+      <p:sp>
+        <p:nvSpPr>
+          <p:cNvPr id="2" name="Slide Image Placeholder 1"/>
+          <p:cNvSpPr>
+            <a:spLocks noGrp="1" noRot="1" noChangeAspect="1"/>
+          </p:cNvSpPr>
+          <p:nvPr>
+            <p:ph type="sldImg"/>
+          </p:nvPr>
+        </p:nvSpPr>
+        <p:spPr/>
+      </p:sp>
+      <p:sp>
+        <p:nvSpPr>
+          <p:cNvPr id="3" name="Notes Placeholder 2"/>
+          <p:cNvSpPr>
+            <a:spLocks noGrp="1"/>
+          </p:cNvSpPr>
+          <p:nvPr>
+            <p:ph type="body" idx="1"/>
+          </p:nvPr>
+        </p:nvSpPr>
+        <p:spPr/>
+        <p:txBody>
+          <a:bodyPr/>
+          <a:lstStyle/>
+          <a:p>
+            <a:pPr marL="0" marR="0" indent="0" algn="l" defTabSz="914400" rtl="0" eaLnBrk="1" fontAlgn="auto" latinLnBrk="0" hangingPunct="1">
+              <a:lnSpc>
+                <a:spcPct val="100000"/>
+              </a:lnSpc>
+              <a:spcBef>
+                <a:spcPts val="0"/>
+              </a:spcBef>
+              <a:spcAft>
+                <a:spcPts val="0"/>
+              </a:spcAft>
+              <a:buClrTx/>
+              <a:buSzTx/>
+              <a:buFontTx/>
+              <a:buNone/>
+              <a:tabLst/>
+              <a:defRPr/>
+            </a:pPr>
+            <a:r>
+              <a:rPr lang="id-ID" dirty="0"/>
+              <a:t>INTRODUCTION page </a:t>
+            </a:r>
+            <a:r>
+              <a:rPr lang="id-ID" dirty="0">
+                <a:sym typeface="Wingdings" panose="05000000000000000000" pitchFamily="2" charset="2"/>
+              </a:rPr>
+              <a:t> “All</a:t>
+            </a:r>
+            <a:r>
+              <a:rPr lang="id-ID" baseline="0" dirty="0">
+                <a:sym typeface="Wingdings" panose="05000000000000000000" pitchFamily="2" charset="2"/>
+              </a:rPr>
+              <a:t> Content is editable </a:t>
+            </a:r>
+          </a:p>
+          <a:p>
+            <a:pPr marL="0" marR="0" indent="0" algn="l" defTabSz="914400" rtl="0" eaLnBrk="1" fontAlgn="auto" latinLnBrk="0" hangingPunct="1">
+              <a:lnSpc>
+                <a:spcPct val="100000"/>
+              </a:lnSpc>
+              <a:spcBef>
+                <a:spcPts val="0"/>
+              </a:spcBef>
+              <a:spcAft>
+                <a:spcPts val="0"/>
+              </a:spcAft>
+              <a:buClrTx/>
+              <a:buSzTx/>
+              <a:buFontTx/>
+              <a:buNone/>
+              <a:tabLst/>
+              <a:defRPr/>
+            </a:pPr>
+            <a:br>
+              <a:rPr lang="id-ID" baseline="0" dirty="0">
+                <a:sym typeface="Wingdings" panose="05000000000000000000" pitchFamily="2" charset="2"/>
+              </a:rPr>
+            </a:br>
+            <a:r>
+              <a:rPr lang="en-ID" baseline="0" dirty="0">
+                <a:sym typeface="Wingdings" panose="05000000000000000000" pitchFamily="2" charset="2"/>
+              </a:rPr>
+              <a:t>For edit Footer or visible content  you must getting to the Master Slide -&gt; click “VIEW” tab -&gt; in the “Master Views” group, click “Slide Master”. (–and- or you can </a:t>
+            </a:r>
+            <a:r>
+              <a:rPr lang="en-ID" baseline="0" dirty="0" err="1">
+                <a:sym typeface="Wingdings" panose="05000000000000000000" pitchFamily="2" charset="2"/>
+              </a:rPr>
+              <a:t>changeyour</a:t>
+            </a:r>
+            <a:r>
+              <a:rPr lang="en-ID" baseline="0" dirty="0">
+                <a:sym typeface="Wingdings" panose="05000000000000000000" pitchFamily="2" charset="2"/>
+              </a:rPr>
+              <a:t> logo on there”)</a:t>
+            </a:r>
+          </a:p>
+          <a:p>
+            <a:pPr marL="0" marR="0" indent="0" algn="l" defTabSz="914400" rtl="0" eaLnBrk="1" fontAlgn="auto" latinLnBrk="0" hangingPunct="1">
+              <a:lnSpc>
+                <a:spcPct val="100000"/>
+              </a:lnSpc>
+              <a:spcBef>
+                <a:spcPts val="0"/>
+              </a:spcBef>
+              <a:spcAft>
+                <a:spcPts val="0"/>
+              </a:spcAft>
+              <a:buClrTx/>
+              <a:buSzTx/>
+              <a:buFontTx/>
+              <a:buNone/>
+              <a:tabLst/>
+              <a:defRPr/>
+            </a:pPr>
+            <a:endParaRPr lang="en-ID" baseline="0" dirty="0">
+              <a:sym typeface="Wingdings" panose="05000000000000000000" pitchFamily="2" charset="2"/>
+            </a:endParaRPr>
+          </a:p>
+        </p:txBody>
+      </p:sp>
+      <p:sp>
+        <p:nvSpPr>
+          <p:cNvPr id="4" name="Slide Number Placeholder 3"/>
+          <p:cNvSpPr>
+            <a:spLocks noGrp="1"/>
+          </p:cNvSpPr>
+          <p:nvPr>
+            <p:ph type="sldNum" sz="quarter" idx="10"/>
+          </p:nvPr>
+        </p:nvSpPr>
+        <p:spPr/>
+        <p:txBody>
+          <a:bodyPr/>
+          <a:lstStyle/>
+          <a:p>
+            <a:pPr marL="0" marR="0" lvl="0" indent="0" algn="r" defTabSz="914400" rtl="0" eaLnBrk="1" fontAlgn="auto" latinLnBrk="0" hangingPunct="1">
+              <a:lnSpc>
+                <a:spcPct val="100000"/>
+              </a:lnSpc>
+              <a:spcBef>
+                <a:spcPts val="0"/>
+              </a:spcBef>
+              <a:spcAft>
+                <a:spcPts val="0"/>
+              </a:spcAft>
+              <a:buClrTx/>
+              <a:buSzTx/>
+              <a:buFontTx/>
+              <a:buNone/>
+              <a:tabLst/>
+              <a:defRPr/>
+            </a:pPr>
+            <a:fld id="{02C4C06F-1732-4219-9546-4DB3F1409D7A}" type="slidenum">
+              <a:rPr kumimoji="0" lang="id-ID" sz="1200" b="0" i="0" u="none" strike="noStrike" kern="1200" cap="none" spc="0" normalizeH="0" baseline="0" noProof="0" smtClean="0">
+                <a:ln>
+                  <a:noFill/>
+                </a:ln>
+                <a:solidFill>
+                  <a:prstClr val="black"/>
+                </a:solidFill>
+                <a:effectLst/>
+                <a:uLnTx/>
+                <a:uFillTx/>
+                <a:latin typeface="Calibri" panose="020F0502020204030204"/>
+                <a:ea typeface="+mn-ea"/>
+                <a:cs typeface="+mn-cs"/>
+              </a:rPr>
+              <a:pPr marL="0" marR="0" lvl="0" indent="0" algn="r" defTabSz="914400" rtl="0" eaLnBrk="1" fontAlgn="auto" latinLnBrk="0" hangingPunct="1">
+                <a:lnSpc>
+                  <a:spcPct val="100000"/>
+                </a:lnSpc>
+                <a:spcBef>
+                  <a:spcPts val="0"/>
+                </a:spcBef>
+                <a:spcAft>
+                  <a:spcPts val="0"/>
+                </a:spcAft>
+                <a:buClrTx/>
+                <a:buSzTx/>
+                <a:buFontTx/>
+                <a:buNone/>
+                <a:tabLst/>
+                <a:defRPr/>
+              </a:pPr>
+              <a:t>23</a:t>
+            </a:fld>
+            <a:endParaRPr kumimoji="0" lang="id-ID" sz="1200" b="0" i="0" u="none" strike="noStrike" kern="1200" cap="none" spc="0" normalizeH="0" baseline="0" noProof="0">
+              <a:ln>
+                <a:noFill/>
+              </a:ln>
+              <a:solidFill>
+                <a:prstClr val="black"/>
+              </a:solidFill>
+              <a:effectLst/>
+              <a:uLnTx/>
+              <a:uFillTx/>
+              <a:latin typeface="Calibri" panose="020F0502020204030204"/>
+              <a:ea typeface="+mn-ea"/>
+              <a:cs typeface="+mn-cs"/>
+            </a:endParaRPr>
+          </a:p>
+        </p:txBody>
+      </p:sp>
+    </p:spTree>
+    <p:extLst>
+      <p:ext uri="{BB962C8B-B14F-4D97-AF65-F5344CB8AC3E}">
+        <p14:creationId xmlns:p14="http://schemas.microsoft.com/office/powerpoint/2010/main" val="2104385161"/>
+      </p:ext>
+    </p:extLst>
+  </p:cSld>
+  <p:clrMapOvr>
+    <a:masterClrMapping/>
+  </p:clrMapOvr>
+</p:notes>
+</file>
+
+<file path=ppt/notesSlides/notesSlide24.xml><?xml version="1.0" encoding="utf-8"?>
+<p:notes xmlns:a="http://schemas.openxmlformats.org/drawingml/2006/main" xmlns:r="http://schemas.openxmlformats.org/officeDocument/2006/relationships" xmlns:p="http://schemas.openxmlformats.org/presentationml/2006/main">
+  <p:cSld>
+    <p:spTree>
+      <p:nvGrpSpPr>
+        <p:cNvPr id="1" name=""/>
+        <p:cNvGrpSpPr/>
+        <p:nvPr/>
+      </p:nvGrpSpPr>
+      <p:grpSpPr>
+        <a:xfrm>
+          <a:off x="0" y="0"/>
+          <a:ext cx="0" cy="0"/>
+          <a:chOff x="0" y="0"/>
+          <a:chExt cx="0" cy="0"/>
+        </a:xfrm>
+      </p:grpSpPr>
+      <p:sp>
+        <p:nvSpPr>
+          <p:cNvPr id="2" name="Slide Image Placeholder 1"/>
+          <p:cNvSpPr>
+            <a:spLocks noGrp="1" noRot="1" noChangeAspect="1"/>
+          </p:cNvSpPr>
+          <p:nvPr>
+            <p:ph type="sldImg"/>
+          </p:nvPr>
+        </p:nvSpPr>
+        <p:spPr/>
+      </p:sp>
+      <p:sp>
+        <p:nvSpPr>
+          <p:cNvPr id="3" name="Notes Placeholder 2"/>
+          <p:cNvSpPr>
+            <a:spLocks noGrp="1"/>
+          </p:cNvSpPr>
+          <p:nvPr>
+            <p:ph type="body" idx="1"/>
+          </p:nvPr>
+        </p:nvSpPr>
+        <p:spPr/>
+        <p:txBody>
+          <a:bodyPr/>
+          <a:lstStyle/>
+          <a:p>
+            <a:pPr marL="0" marR="0" indent="0" algn="l" defTabSz="914400" rtl="0" eaLnBrk="1" fontAlgn="auto" latinLnBrk="0" hangingPunct="1">
+              <a:lnSpc>
+                <a:spcPct val="100000"/>
+              </a:lnSpc>
+              <a:spcBef>
+                <a:spcPts val="0"/>
+              </a:spcBef>
+              <a:spcAft>
+                <a:spcPts val="0"/>
+              </a:spcAft>
+              <a:buClrTx/>
+              <a:buSzTx/>
+              <a:buFontTx/>
+              <a:buNone/>
+              <a:tabLst/>
+              <a:defRPr/>
+            </a:pPr>
+            <a:r>
+              <a:rPr lang="id-ID" dirty="0"/>
+              <a:t>INTRODUCTION page </a:t>
+            </a:r>
+            <a:r>
+              <a:rPr lang="id-ID" dirty="0">
+                <a:sym typeface="Wingdings" panose="05000000000000000000" pitchFamily="2" charset="2"/>
+              </a:rPr>
+              <a:t> “All</a:t>
+            </a:r>
+            <a:r>
+              <a:rPr lang="id-ID" baseline="0" dirty="0">
+                <a:sym typeface="Wingdings" panose="05000000000000000000" pitchFamily="2" charset="2"/>
+              </a:rPr>
+              <a:t> Content is editable </a:t>
+            </a:r>
+          </a:p>
+          <a:p>
+            <a:pPr marL="0" marR="0" indent="0" algn="l" defTabSz="914400" rtl="0" eaLnBrk="1" fontAlgn="auto" latinLnBrk="0" hangingPunct="1">
+              <a:lnSpc>
+                <a:spcPct val="100000"/>
+              </a:lnSpc>
+              <a:spcBef>
+                <a:spcPts val="0"/>
+              </a:spcBef>
+              <a:spcAft>
+                <a:spcPts val="0"/>
+              </a:spcAft>
+              <a:buClrTx/>
+              <a:buSzTx/>
+              <a:buFontTx/>
+              <a:buNone/>
+              <a:tabLst/>
+              <a:defRPr/>
+            </a:pPr>
+            <a:br>
+              <a:rPr lang="id-ID" baseline="0" dirty="0">
+                <a:sym typeface="Wingdings" panose="05000000000000000000" pitchFamily="2" charset="2"/>
+              </a:rPr>
+            </a:br>
+            <a:r>
+              <a:rPr lang="en-ID" baseline="0" dirty="0">
+                <a:sym typeface="Wingdings" panose="05000000000000000000" pitchFamily="2" charset="2"/>
+              </a:rPr>
+              <a:t>For edit Footer or visible content  you must getting to the Master Slide -&gt; click “VIEW” tab -&gt; in the “Master Views” group, click “Slide Master”. (–and- or you can </a:t>
+            </a:r>
+            <a:r>
+              <a:rPr lang="en-ID" baseline="0" dirty="0" err="1">
+                <a:sym typeface="Wingdings" panose="05000000000000000000" pitchFamily="2" charset="2"/>
+              </a:rPr>
+              <a:t>changeyour</a:t>
+            </a:r>
+            <a:r>
+              <a:rPr lang="en-ID" baseline="0" dirty="0">
+                <a:sym typeface="Wingdings" panose="05000000000000000000" pitchFamily="2" charset="2"/>
+              </a:rPr>
+              <a:t> logo on there”)</a:t>
+            </a:r>
+          </a:p>
+          <a:p>
+            <a:pPr marL="0" marR="0" indent="0" algn="l" defTabSz="914400" rtl="0" eaLnBrk="1" fontAlgn="auto" latinLnBrk="0" hangingPunct="1">
+              <a:lnSpc>
+                <a:spcPct val="100000"/>
+              </a:lnSpc>
+              <a:spcBef>
+                <a:spcPts val="0"/>
+              </a:spcBef>
+              <a:spcAft>
+                <a:spcPts val="0"/>
+              </a:spcAft>
+              <a:buClrTx/>
+              <a:buSzTx/>
+              <a:buFontTx/>
+              <a:buNone/>
+              <a:tabLst/>
+              <a:defRPr/>
+            </a:pPr>
+            <a:endParaRPr lang="en-ID" baseline="0" dirty="0">
+              <a:sym typeface="Wingdings" panose="05000000000000000000" pitchFamily="2" charset="2"/>
+            </a:endParaRPr>
+          </a:p>
+        </p:txBody>
+      </p:sp>
+      <p:sp>
+        <p:nvSpPr>
+          <p:cNvPr id="4" name="Slide Number Placeholder 3"/>
+          <p:cNvSpPr>
+            <a:spLocks noGrp="1"/>
+          </p:cNvSpPr>
+          <p:nvPr>
+            <p:ph type="sldNum" sz="quarter" idx="10"/>
+          </p:nvPr>
+        </p:nvSpPr>
+        <p:spPr/>
+        <p:txBody>
+          <a:bodyPr/>
+          <a:lstStyle/>
+          <a:p>
+            <a:pPr marL="0" marR="0" lvl="0" indent="0" algn="r" defTabSz="914400" rtl="0" eaLnBrk="1" fontAlgn="auto" latinLnBrk="0" hangingPunct="1">
+              <a:lnSpc>
+                <a:spcPct val="100000"/>
+              </a:lnSpc>
+              <a:spcBef>
+                <a:spcPts val="0"/>
+              </a:spcBef>
+              <a:spcAft>
+                <a:spcPts val="0"/>
+              </a:spcAft>
+              <a:buClrTx/>
+              <a:buSzTx/>
+              <a:buFontTx/>
+              <a:buNone/>
+              <a:tabLst/>
+              <a:defRPr/>
+            </a:pPr>
+            <a:fld id="{02C4C06F-1732-4219-9546-4DB3F1409D7A}" type="slidenum">
+              <a:rPr kumimoji="0" lang="id-ID" sz="1200" b="0" i="0" u="none" strike="noStrike" kern="1200" cap="none" spc="0" normalizeH="0" baseline="0" noProof="0" smtClean="0">
+                <a:ln>
+                  <a:noFill/>
+                </a:ln>
+                <a:solidFill>
+                  <a:prstClr val="black"/>
+                </a:solidFill>
+                <a:effectLst/>
+                <a:uLnTx/>
+                <a:uFillTx/>
+                <a:latin typeface="Calibri" panose="020F0502020204030204"/>
+                <a:ea typeface="+mn-ea"/>
+                <a:cs typeface="+mn-cs"/>
+              </a:rPr>
+              <a:pPr marL="0" marR="0" lvl="0" indent="0" algn="r" defTabSz="914400" rtl="0" eaLnBrk="1" fontAlgn="auto" latinLnBrk="0" hangingPunct="1">
+                <a:lnSpc>
+                  <a:spcPct val="100000"/>
+                </a:lnSpc>
+                <a:spcBef>
+                  <a:spcPts val="0"/>
+                </a:spcBef>
+                <a:spcAft>
+                  <a:spcPts val="0"/>
+                </a:spcAft>
+                <a:buClrTx/>
+                <a:buSzTx/>
+                <a:buFontTx/>
+                <a:buNone/>
+                <a:tabLst/>
+                <a:defRPr/>
+              </a:pPr>
+              <a:t>24</a:t>
             </a:fld>
             <a:endParaRPr kumimoji="0" lang="id-ID" sz="1200" b="0" i="0" u="none" strike="noStrike" kern="1200" cap="none" spc="0" normalizeH="0" baseline="0" noProof="0">
               <a:ln>
@@ -12537,7 +13272,7 @@
           <a:p>
             <a:fld id="{FF5BD091-49BC-4AFC-8D89-DEA683AFBC72}" type="datetimeFigureOut">
               <a:rPr lang="en-ID" smtClean="0"/>
-              <a:t>21/05/2022</a:t>
+              <a:t>28/05/2022</a:t>
             </a:fld>
             <a:endParaRPr lang="en-ID"/>
           </a:p>
@@ -20440,7 +21175,7 @@
         <p:spPr>
           <a:xfrm>
             <a:off x="734891" y="1605659"/>
-            <a:ext cx="10614212" cy="3693319"/>
+            <a:ext cx="10614212" cy="2862322"/>
           </a:xfrm>
           <a:prstGeom prst="rect">
             <a:avLst/>
@@ -20657,27 +21392,7 @@
                 <a:effectLst/>
                 <a:latin typeface="Arial" panose="020B0604020202020204" pitchFamily="34" charset="0"/>
               </a:rPr>
-              <a:t>, for instance, file was not backed up due to </a:t>
-            </a:r>
-            <a:r>
-              <a:rPr lang="en-US" b="0" i="0" dirty="0" err="1">
-                <a:solidFill>
-                  <a:schemeClr val="accent2"/>
-                </a:solidFill>
-                <a:effectLst/>
-                <a:latin typeface="Arial" panose="020B0604020202020204" pitchFamily="34" charset="0"/>
-              </a:rPr>
-              <a:t>xyz</a:t>
-            </a:r>
-            <a:r>
-              <a:rPr lang="en-US" b="0" i="0" dirty="0">
-                <a:solidFill>
-                  <a:schemeClr val="accent2"/>
-                </a:solidFill>
-                <a:effectLst/>
-                <a:latin typeface="Arial" panose="020B0604020202020204" pitchFamily="34" charset="0"/>
-              </a:rPr>
-              <a:t> error, unusual condition was encountered during finalization of a backup cycle for configuration, unable to scan user libraries for changes and perform backup of modified files for configuration.</a:t>
+              <a:t>, </a:t>
             </a:r>
           </a:p>
         </p:txBody>
@@ -21466,6 +22181,519 @@
       </p:grpSpPr>
       <p:sp>
         <p:nvSpPr>
+          <p:cNvPr id="2" name="TextBox 1">
+            <a:extLst>
+              <a:ext uri="{FF2B5EF4-FFF2-40B4-BE49-F238E27FC236}">
+                <a16:creationId xmlns:a16="http://schemas.microsoft.com/office/drawing/2014/main" id="{C299BDA3-C7D1-4205-B72B-F526B816C940}"/>
+              </a:ext>
+            </a:extLst>
+          </p:cNvPr>
+          <p:cNvSpPr txBox="1"/>
+          <p:nvPr/>
+        </p:nvSpPr>
+        <p:spPr>
+          <a:xfrm>
+            <a:off x="1031309" y="1752801"/>
+            <a:ext cx="5767926" cy="400110"/>
+          </a:xfrm>
+          <a:prstGeom prst="rect">
+            <a:avLst/>
+          </a:prstGeom>
+          <a:noFill/>
+        </p:spPr>
+        <p:txBody>
+          <a:bodyPr wrap="none" rtlCol="0">
+            <a:spAutoFit/>
+          </a:bodyPr>
+          <a:lstStyle/>
+          <a:p>
+            <a:pPr marL="0" marR="0" lvl="0" indent="0" algn="ctr" defTabSz="914400" rtl="0" eaLnBrk="1" fontAlgn="auto" latinLnBrk="0" hangingPunct="1">
+              <a:lnSpc>
+                <a:spcPct val="100000"/>
+              </a:lnSpc>
+              <a:spcBef>
+                <a:spcPts val="0"/>
+              </a:spcBef>
+              <a:spcAft>
+                <a:spcPts val="0"/>
+              </a:spcAft>
+              <a:buClrTx/>
+              <a:buSzTx/>
+              <a:buFontTx/>
+              <a:buNone/>
+              <a:tabLst/>
+              <a:defRPr/>
+            </a:pPr>
+            <a:r>
+              <a:rPr lang="en-US" sz="2000" b="1" dirty="0">
+                <a:solidFill>
+                  <a:schemeClr val="accent1"/>
+                </a:solidFill>
+                <a:latin typeface="MS Gothic" panose="020B0609070205080204" pitchFamily="49" charset="-128"/>
+                <a:ea typeface="MS Gothic" panose="020B0609070205080204" pitchFamily="49" charset="-128"/>
+                <a:cs typeface="Cascadia Mono" panose="020B0609020000020004" pitchFamily="49" charset="0"/>
+              </a:rPr>
+              <a:t>1. Files are deleted from external storage:</a:t>
+            </a:r>
+            <a:endParaRPr lang="id-ID" sz="2000" b="1" dirty="0">
+              <a:solidFill>
+                <a:schemeClr val="accent1"/>
+              </a:solidFill>
+              <a:latin typeface="MS Gothic" panose="020B0609070205080204" pitchFamily="49" charset="-128"/>
+              <a:ea typeface="MS Gothic" panose="020B0609070205080204" pitchFamily="49" charset="-128"/>
+              <a:cs typeface="Cascadia Mono" panose="020B0609020000020004" pitchFamily="49" charset="0"/>
+            </a:endParaRPr>
+          </a:p>
+        </p:txBody>
+      </p:sp>
+      <p:sp>
+        <p:nvSpPr>
+          <p:cNvPr id="3" name="TextBox 2">
+            <a:extLst>
+              <a:ext uri="{FF2B5EF4-FFF2-40B4-BE49-F238E27FC236}">
+                <a16:creationId xmlns:a16="http://schemas.microsoft.com/office/drawing/2014/main" id="{75313BD8-6376-4888-A61C-B40881291FDD}"/>
+              </a:ext>
+            </a:extLst>
+          </p:cNvPr>
+          <p:cNvSpPr txBox="1"/>
+          <p:nvPr/>
+        </p:nvSpPr>
+        <p:spPr>
+          <a:xfrm>
+            <a:off x="326284" y="533601"/>
+            <a:ext cx="2619628" cy="646331"/>
+          </a:xfrm>
+          <a:prstGeom prst="rect">
+            <a:avLst/>
+          </a:prstGeom>
+          <a:noFill/>
+        </p:spPr>
+        <p:txBody>
+          <a:bodyPr wrap="none" rtlCol="0">
+            <a:spAutoFit/>
+          </a:bodyPr>
+          <a:lstStyle/>
+          <a:p>
+            <a:pPr marL="0" marR="0" lvl="0" indent="0" algn="ctr" defTabSz="914400" rtl="0" eaLnBrk="1" fontAlgn="auto" latinLnBrk="0" hangingPunct="1">
+              <a:lnSpc>
+                <a:spcPct val="100000"/>
+              </a:lnSpc>
+              <a:spcBef>
+                <a:spcPts val="0"/>
+              </a:spcBef>
+              <a:spcAft>
+                <a:spcPts val="0"/>
+              </a:spcAft>
+              <a:buClrTx/>
+              <a:buSzTx/>
+              <a:buFontTx/>
+              <a:buNone/>
+              <a:tabLst/>
+              <a:defRPr/>
+            </a:pPr>
+            <a:r>
+              <a:rPr lang="en-US" sz="3600" b="1" dirty="0">
+                <a:solidFill>
+                  <a:srgbClr val="FF0000"/>
+                </a:solidFill>
+                <a:latin typeface="Abadi" panose="020B0604020104020204" pitchFamily="34" charset="0"/>
+                <a:ea typeface="MS Gothic" panose="020B0609070205080204" pitchFamily="49" charset="-128"/>
+                <a:cs typeface="Cascadia Mono" panose="020B0609020000020004" pitchFamily="49" charset="0"/>
+              </a:rPr>
+              <a:t>Anti-forensic</a:t>
+            </a:r>
+            <a:endParaRPr lang="id-ID" sz="3600" b="1" dirty="0">
+              <a:solidFill>
+                <a:srgbClr val="FF0000"/>
+              </a:solidFill>
+              <a:latin typeface="Abadi" panose="020B0604020104020204" pitchFamily="34" charset="0"/>
+              <a:ea typeface="MS Gothic" panose="020B0609070205080204" pitchFamily="49" charset="-128"/>
+              <a:cs typeface="Cascadia Mono" panose="020B0609020000020004" pitchFamily="49" charset="0"/>
+            </a:endParaRPr>
+          </a:p>
+        </p:txBody>
+      </p:sp>
+      <p:pic>
+        <p:nvPicPr>
+          <p:cNvPr id="5" name="Graphic 4" descr="Skull with solid fill">
+            <a:extLst>
+              <a:ext uri="{FF2B5EF4-FFF2-40B4-BE49-F238E27FC236}">
+                <a16:creationId xmlns:a16="http://schemas.microsoft.com/office/drawing/2014/main" id="{6925F093-04D7-4DAF-9031-EBFF06C8BE8A}"/>
+              </a:ext>
+            </a:extLst>
+          </p:cNvPr>
+          <p:cNvPicPr>
+            <a:picLocks noChangeAspect="1"/>
+          </p:cNvPicPr>
+          <p:nvPr/>
+        </p:nvPicPr>
+        <p:blipFill>
+          <a:blip r:embed="rId3">
+            <a:extLst>
+              <a:ext uri="{28A0092B-C50C-407E-A947-70E740481C1C}">
+                <a14:useLocalDpi xmlns:a14="http://schemas.microsoft.com/office/drawing/2010/main" val="0"/>
+              </a:ext>
+              <a:ext uri="{96DAC541-7B7A-43D3-8B79-37D633B846F1}">
+                <asvg:svgBlip xmlns:asvg="http://schemas.microsoft.com/office/drawing/2016/SVG/main" r:embed="rId4"/>
+              </a:ext>
+            </a:extLst>
+          </a:blip>
+          <a:stretch>
+            <a:fillRect/>
+          </a:stretch>
+        </p:blipFill>
+        <p:spPr>
+          <a:xfrm>
+            <a:off x="2945912" y="555777"/>
+            <a:ext cx="646332" cy="646332"/>
+          </a:xfrm>
+          <a:prstGeom prst="rect">
+            <a:avLst/>
+          </a:prstGeom>
+        </p:spPr>
+      </p:pic>
+      <p:sp>
+        <p:nvSpPr>
+          <p:cNvPr id="6" name="TextBox 5">
+            <a:extLst>
+              <a:ext uri="{FF2B5EF4-FFF2-40B4-BE49-F238E27FC236}">
+                <a16:creationId xmlns:a16="http://schemas.microsoft.com/office/drawing/2014/main" id="{E8B69A82-CB45-4237-9D25-ABAD54CA9CB0}"/>
+              </a:ext>
+            </a:extLst>
+          </p:cNvPr>
+          <p:cNvSpPr txBox="1"/>
+          <p:nvPr/>
+        </p:nvSpPr>
+        <p:spPr>
+          <a:xfrm>
+            <a:off x="1031309" y="2503548"/>
+            <a:ext cx="7326044" cy="400110"/>
+          </a:xfrm>
+          <a:prstGeom prst="rect">
+            <a:avLst/>
+          </a:prstGeom>
+          <a:noFill/>
+        </p:spPr>
+        <p:txBody>
+          <a:bodyPr wrap="none" rtlCol="0">
+            <a:spAutoFit/>
+          </a:bodyPr>
+          <a:lstStyle/>
+          <a:p>
+            <a:pPr marL="0" marR="0" lvl="0" indent="0" algn="ctr" defTabSz="914400" rtl="0" eaLnBrk="1" fontAlgn="auto" latinLnBrk="0" hangingPunct="1">
+              <a:lnSpc>
+                <a:spcPct val="100000"/>
+              </a:lnSpc>
+              <a:spcBef>
+                <a:spcPts val="0"/>
+              </a:spcBef>
+              <a:spcAft>
+                <a:spcPts val="0"/>
+              </a:spcAft>
+              <a:buClrTx/>
+              <a:buSzTx/>
+              <a:buFontTx/>
+              <a:buNone/>
+              <a:tabLst/>
+              <a:defRPr/>
+            </a:pPr>
+            <a:r>
+              <a:rPr lang="en-US" sz="2000" b="1" dirty="0">
+                <a:solidFill>
+                  <a:schemeClr val="accent1"/>
+                </a:solidFill>
+                <a:latin typeface="MS Gothic" panose="020B0609070205080204" pitchFamily="49" charset="-128"/>
+                <a:ea typeface="MS Gothic" panose="020B0609070205080204" pitchFamily="49" charset="-128"/>
+                <a:cs typeface="Cascadia Mono" panose="020B0609020000020004" pitchFamily="49" charset="0"/>
+              </a:rPr>
+              <a:t>2. Disabling and re-enabling of a backup storage device</a:t>
+            </a:r>
+            <a:endParaRPr lang="id-ID" sz="2000" b="1" dirty="0">
+              <a:solidFill>
+                <a:schemeClr val="accent1"/>
+              </a:solidFill>
+              <a:latin typeface="MS Gothic" panose="020B0609070205080204" pitchFamily="49" charset="-128"/>
+              <a:ea typeface="MS Gothic" panose="020B0609070205080204" pitchFamily="49" charset="-128"/>
+              <a:cs typeface="Cascadia Mono" panose="020B0609020000020004" pitchFamily="49" charset="0"/>
+            </a:endParaRPr>
+          </a:p>
+        </p:txBody>
+      </p:sp>
+      <p:sp>
+        <p:nvSpPr>
+          <p:cNvPr id="8" name="TextBox 7">
+            <a:extLst>
+              <a:ext uri="{FF2B5EF4-FFF2-40B4-BE49-F238E27FC236}">
+                <a16:creationId xmlns:a16="http://schemas.microsoft.com/office/drawing/2014/main" id="{864050B4-1C81-4707-8FF9-1A56C284B5E7}"/>
+              </a:ext>
+            </a:extLst>
+          </p:cNvPr>
+          <p:cNvSpPr txBox="1"/>
+          <p:nvPr/>
+        </p:nvSpPr>
+        <p:spPr>
+          <a:xfrm>
+            <a:off x="744115" y="3254295"/>
+            <a:ext cx="7018953" cy="707886"/>
+          </a:xfrm>
+          <a:prstGeom prst="rect">
+            <a:avLst/>
+          </a:prstGeom>
+          <a:noFill/>
+        </p:spPr>
+        <p:txBody>
+          <a:bodyPr wrap="square">
+            <a:spAutoFit/>
+          </a:bodyPr>
+          <a:lstStyle/>
+          <a:p>
+            <a:pPr algn="ctr">
+              <a:defRPr/>
+            </a:pPr>
+            <a:r>
+              <a:rPr lang="en-US" sz="2000" b="1" dirty="0">
+                <a:solidFill>
+                  <a:schemeClr val="accent1"/>
+                </a:solidFill>
+                <a:latin typeface="MS Gothic" panose="020B0609070205080204" pitchFamily="49" charset="-128"/>
+                <a:ea typeface="MS Gothic" panose="020B0609070205080204" pitchFamily="49" charset="-128"/>
+                <a:cs typeface="Cascadia Mono" panose="020B0609020000020004" pitchFamily="49" charset="0"/>
+              </a:rPr>
+              <a:t>3. Disconnecting an active backup storage device </a:t>
+            </a:r>
+            <a:br>
+              <a:rPr lang="en-US" sz="2000" b="1" dirty="0">
+                <a:solidFill>
+                  <a:schemeClr val="accent1"/>
+                </a:solidFill>
+                <a:latin typeface="MS Gothic" panose="020B0609070205080204" pitchFamily="49" charset="-128"/>
+                <a:ea typeface="MS Gothic" panose="020B0609070205080204" pitchFamily="49" charset="-128"/>
+                <a:cs typeface="Cascadia Mono" panose="020B0609020000020004" pitchFamily="49" charset="0"/>
+              </a:rPr>
+            </a:br>
+            <a:endParaRPr lang="en-US" sz="2000" b="1" dirty="0">
+              <a:solidFill>
+                <a:schemeClr val="accent1"/>
+              </a:solidFill>
+              <a:latin typeface="MS Gothic" panose="020B0609070205080204" pitchFamily="49" charset="-128"/>
+              <a:ea typeface="MS Gothic" panose="020B0609070205080204" pitchFamily="49" charset="-128"/>
+              <a:cs typeface="Cascadia Mono" panose="020B0609020000020004" pitchFamily="49" charset="0"/>
+            </a:endParaRPr>
+          </a:p>
+        </p:txBody>
+      </p:sp>
+    </p:spTree>
+    <p:extLst>
+      <p:ext uri="{BB962C8B-B14F-4D97-AF65-F5344CB8AC3E}">
+        <p14:creationId xmlns:p14="http://schemas.microsoft.com/office/powerpoint/2010/main" val="3961986801"/>
+      </p:ext>
+    </p:extLst>
+  </p:cSld>
+  <p:clrMapOvr>
+    <a:masterClrMapping/>
+  </p:clrMapOvr>
+  <p:transition spd="slow">
+    <p:comb/>
+  </p:transition>
+</p:sld>
+</file>
+
+<file path=ppt/slides/slide16.xml><?xml version="1.0" encoding="utf-8"?>
+<p:sld xmlns:a="http://schemas.openxmlformats.org/drawingml/2006/main" xmlns:r="http://schemas.openxmlformats.org/officeDocument/2006/relationships" xmlns:p="http://schemas.openxmlformats.org/presentationml/2006/main">
+  <p:cSld>
+    <p:bg>
+      <p:bgPr>
+        <a:solidFill>
+          <a:srgbClr val="212E3C"/>
+        </a:solidFill>
+        <a:effectLst/>
+      </p:bgPr>
+    </p:bg>
+    <p:spTree>
+      <p:nvGrpSpPr>
+        <p:cNvPr id="1" name=""/>
+        <p:cNvGrpSpPr/>
+        <p:nvPr/>
+      </p:nvGrpSpPr>
+      <p:grpSpPr>
+        <a:xfrm>
+          <a:off x="0" y="0"/>
+          <a:ext cx="0" cy="0"/>
+          <a:chOff x="0" y="0"/>
+          <a:chExt cx="0" cy="0"/>
+        </a:xfrm>
+      </p:grpSpPr>
+      <p:sp>
+        <p:nvSpPr>
+          <p:cNvPr id="3" name="TextBox 2">
+            <a:extLst>
+              <a:ext uri="{FF2B5EF4-FFF2-40B4-BE49-F238E27FC236}">
+                <a16:creationId xmlns:a16="http://schemas.microsoft.com/office/drawing/2014/main" id="{75313BD8-6376-4888-A61C-B40881291FDD}"/>
+              </a:ext>
+            </a:extLst>
+          </p:cNvPr>
+          <p:cNvSpPr txBox="1"/>
+          <p:nvPr/>
+        </p:nvSpPr>
+        <p:spPr>
+          <a:xfrm>
+            <a:off x="203358" y="602430"/>
+            <a:ext cx="7423827" cy="461665"/>
+          </a:xfrm>
+          <a:prstGeom prst="rect">
+            <a:avLst/>
+          </a:prstGeom>
+          <a:noFill/>
+        </p:spPr>
+        <p:txBody>
+          <a:bodyPr wrap="none" rtlCol="0">
+            <a:spAutoFit/>
+          </a:bodyPr>
+          <a:lstStyle/>
+          <a:p>
+            <a:pPr marL="0" marR="0" lvl="0" indent="0" algn="ctr" defTabSz="914400" rtl="0" eaLnBrk="1" fontAlgn="auto" latinLnBrk="0" hangingPunct="1">
+              <a:lnSpc>
+                <a:spcPct val="100000"/>
+              </a:lnSpc>
+              <a:spcBef>
+                <a:spcPts val="0"/>
+              </a:spcBef>
+              <a:spcAft>
+                <a:spcPts val="0"/>
+              </a:spcAft>
+              <a:buClrTx/>
+              <a:buSzTx/>
+              <a:buFontTx/>
+              <a:buNone/>
+              <a:tabLst/>
+              <a:defRPr/>
+            </a:pPr>
+            <a:r>
+              <a:rPr lang="en-US" sz="2400" b="1" dirty="0">
+                <a:solidFill>
+                  <a:srgbClr val="FF0000"/>
+                </a:solidFill>
+                <a:latin typeface="Abadi" panose="020B0604020104020204" pitchFamily="34" charset="0"/>
+                <a:ea typeface="MS Gothic" panose="020B0609070205080204" pitchFamily="49" charset="-128"/>
+                <a:cs typeface="Cascadia Mono" panose="020B0609020000020004" pitchFamily="49" charset="0"/>
+              </a:rPr>
+              <a:t>2. Disabling and re-enabling of a backup storage device</a:t>
+            </a:r>
+          </a:p>
+        </p:txBody>
+      </p:sp>
+      <p:pic>
+        <p:nvPicPr>
+          <p:cNvPr id="5" name="Graphic 4" descr="Skull with solid fill">
+            <a:extLst>
+              <a:ext uri="{FF2B5EF4-FFF2-40B4-BE49-F238E27FC236}">
+                <a16:creationId xmlns:a16="http://schemas.microsoft.com/office/drawing/2014/main" id="{6925F093-04D7-4DAF-9031-EBFF06C8BE8A}"/>
+              </a:ext>
+            </a:extLst>
+          </p:cNvPr>
+          <p:cNvPicPr>
+            <a:picLocks noChangeAspect="1"/>
+          </p:cNvPicPr>
+          <p:nvPr/>
+        </p:nvPicPr>
+        <p:blipFill>
+          <a:blip r:embed="rId3">
+            <a:extLst>
+              <a:ext uri="{28A0092B-C50C-407E-A947-70E740481C1C}">
+                <a14:useLocalDpi xmlns:a14="http://schemas.microsoft.com/office/drawing/2010/main" val="0"/>
+              </a:ext>
+              <a:ext uri="{96DAC541-7B7A-43D3-8B79-37D633B846F1}">
+                <asvg:svgBlip xmlns:asvg="http://schemas.microsoft.com/office/drawing/2016/SVG/main" r:embed="rId4"/>
+              </a:ext>
+            </a:extLst>
+          </a:blip>
+          <a:stretch>
+            <a:fillRect/>
+          </a:stretch>
+        </p:blipFill>
+        <p:spPr>
+          <a:xfrm>
+            <a:off x="7767535" y="510096"/>
+            <a:ext cx="646332" cy="646332"/>
+          </a:xfrm>
+          <a:prstGeom prst="rect">
+            <a:avLst/>
+          </a:prstGeom>
+        </p:spPr>
+      </p:pic>
+      <p:pic>
+        <p:nvPicPr>
+          <p:cNvPr id="7" name="Picture 6">
+            <a:extLst>
+              <a:ext uri="{FF2B5EF4-FFF2-40B4-BE49-F238E27FC236}">
+                <a16:creationId xmlns:a16="http://schemas.microsoft.com/office/drawing/2014/main" id="{8A5A0DC9-CA3D-4508-B16B-789E39F4F1BB}"/>
+              </a:ext>
+            </a:extLst>
+          </p:cNvPr>
+          <p:cNvPicPr>
+            <a:picLocks noChangeAspect="1"/>
+          </p:cNvPicPr>
+          <p:nvPr/>
+        </p:nvPicPr>
+        <p:blipFill>
+          <a:blip r:embed="rId5"/>
+          <a:stretch>
+            <a:fillRect/>
+          </a:stretch>
+        </p:blipFill>
+        <p:spPr>
+          <a:xfrm>
+            <a:off x="3032105" y="1785091"/>
+            <a:ext cx="6561389" cy="3909399"/>
+          </a:xfrm>
+          <a:prstGeom prst="rect">
+            <a:avLst/>
+          </a:prstGeom>
+        </p:spPr>
+      </p:pic>
+    </p:spTree>
+    <p:extLst>
+      <p:ext uri="{BB962C8B-B14F-4D97-AF65-F5344CB8AC3E}">
+        <p14:creationId xmlns:p14="http://schemas.microsoft.com/office/powerpoint/2010/main" val="1739156073"/>
+      </p:ext>
+    </p:extLst>
+  </p:cSld>
+  <p:clrMapOvr>
+    <a:masterClrMapping/>
+  </p:clrMapOvr>
+  <p:transition spd="slow">
+    <p:comb/>
+  </p:transition>
+</p:sld>
+</file>
+
+<file path=ppt/slides/slide17.xml><?xml version="1.0" encoding="utf-8"?>
+<p:sld xmlns:a="http://schemas.openxmlformats.org/drawingml/2006/main" xmlns:r="http://schemas.openxmlformats.org/officeDocument/2006/relationships" xmlns:p="http://schemas.openxmlformats.org/presentationml/2006/main">
+  <p:cSld>
+    <p:bg>
+      <p:bgPr>
+        <a:solidFill>
+          <a:srgbClr val="212E3C"/>
+        </a:solidFill>
+        <a:effectLst/>
+      </p:bgPr>
+    </p:bg>
+    <p:spTree>
+      <p:nvGrpSpPr>
+        <p:cNvPr id="1" name=""/>
+        <p:cNvGrpSpPr/>
+        <p:nvPr/>
+      </p:nvGrpSpPr>
+      <p:grpSpPr>
+        <a:xfrm>
+          <a:off x="0" y="0"/>
+          <a:ext cx="0" cy="0"/>
+          <a:chOff x="0" y="0"/>
+          <a:chExt cx="0" cy="0"/>
+        </a:xfrm>
+      </p:grpSpPr>
+      <p:sp>
+        <p:nvSpPr>
           <p:cNvPr id="9" name="TextBox 8"/>
           <p:cNvSpPr txBox="1"/>
           <p:nvPr/>
@@ -21988,7 +23216,7 @@
 </p:sld>
 </file>
 
-<file path=ppt/slides/slide16.xml><?xml version="1.0" encoding="utf-8"?>
+<file path=ppt/slides/slide18.xml><?xml version="1.0" encoding="utf-8"?>
 <p:sld xmlns:a="http://schemas.openxmlformats.org/drawingml/2006/main" xmlns:r="http://schemas.openxmlformats.org/officeDocument/2006/relationships" xmlns:p="http://schemas.openxmlformats.org/presentationml/2006/main">
   <p:cSld>
     <p:bg>
@@ -22301,7 +23529,7 @@
 </p:sld>
 </file>
 
-<file path=ppt/slides/slide17.xml><?xml version="1.0" encoding="utf-8"?>
+<file path=ppt/slides/slide19.xml><?xml version="1.0" encoding="utf-8"?>
 <p:sld xmlns:a="http://schemas.openxmlformats.org/drawingml/2006/main" xmlns:r="http://schemas.openxmlformats.org/officeDocument/2006/relationships" xmlns:p="http://schemas.openxmlformats.org/presentationml/2006/main">
   <p:cSld>
     <p:bg>
@@ -22830,374 +24058,6 @@
     <p:extLst>
       <p:ext uri="{BB962C8B-B14F-4D97-AF65-F5344CB8AC3E}">
         <p14:creationId xmlns:p14="http://schemas.microsoft.com/office/powerpoint/2010/main" val="819448756"/>
-      </p:ext>
-    </p:extLst>
-  </p:cSld>
-  <p:clrMapOvr>
-    <a:masterClrMapping/>
-  </p:clrMapOvr>
-  <p:transition spd="slow">
-    <p:comb/>
-  </p:transition>
-</p:sld>
-</file>
-
-<file path=ppt/slides/slide18.xml><?xml version="1.0" encoding="utf-8"?>
-<p:sld xmlns:a="http://schemas.openxmlformats.org/drawingml/2006/main" xmlns:r="http://schemas.openxmlformats.org/officeDocument/2006/relationships" xmlns:p="http://schemas.openxmlformats.org/presentationml/2006/main">
-  <p:cSld>
-    <p:bg>
-      <p:bgPr>
-        <a:solidFill>
-          <a:srgbClr val="212E3C"/>
-        </a:solidFill>
-        <a:effectLst/>
-      </p:bgPr>
-    </p:bg>
-    <p:spTree>
-      <p:nvGrpSpPr>
-        <p:cNvPr id="1" name=""/>
-        <p:cNvGrpSpPr/>
-        <p:nvPr/>
-      </p:nvGrpSpPr>
-      <p:grpSpPr>
-        <a:xfrm>
-          <a:off x="0" y="0"/>
-          <a:ext cx="0" cy="0"/>
-          <a:chOff x="0" y="0"/>
-          <a:chExt cx="0" cy="0"/>
-        </a:xfrm>
-      </p:grpSpPr>
-      <p:sp>
-        <p:nvSpPr>
-          <p:cNvPr id="9" name="TextBox 8"/>
-          <p:cNvSpPr txBox="1"/>
-          <p:nvPr/>
-        </p:nvSpPr>
-        <p:spPr>
-          <a:xfrm>
-            <a:off x="402288" y="399131"/>
-            <a:ext cx="3372975" cy="769441"/>
-          </a:xfrm>
-          <a:prstGeom prst="rect">
-            <a:avLst/>
-          </a:prstGeom>
-          <a:noFill/>
-        </p:spPr>
-        <p:txBody>
-          <a:bodyPr wrap="none" rtlCol="0">
-            <a:spAutoFit/>
-          </a:bodyPr>
-          <a:lstStyle/>
-          <a:p>
-            <a:pPr marL="0" marR="0" lvl="0" indent="0" algn="ctr" defTabSz="914400" rtl="0" eaLnBrk="1" fontAlgn="auto" latinLnBrk="0" hangingPunct="1">
-              <a:lnSpc>
-                <a:spcPct val="100000"/>
-              </a:lnSpc>
-              <a:spcBef>
-                <a:spcPts val="0"/>
-              </a:spcBef>
-              <a:spcAft>
-                <a:spcPts val="0"/>
-              </a:spcAft>
-              <a:buClrTx/>
-              <a:buSzTx/>
-              <a:buFontTx/>
-              <a:buNone/>
-              <a:tabLst/>
-              <a:defRPr/>
-            </a:pPr>
-            <a:r>
-              <a:rPr lang="en-US" sz="4400" b="1" spc="-400" dirty="0">
-                <a:solidFill>
-                  <a:schemeClr val="accent2"/>
-                </a:solidFill>
-                <a:latin typeface="Open Sans"/>
-              </a:rPr>
-              <a:t>Web</a:t>
-            </a:r>
-            <a:r>
-              <a:rPr kumimoji="0" lang="en-US" sz="4400" b="1" i="0" u="none" strike="noStrike" kern="1200" cap="none" spc="-400" normalizeH="0" baseline="0" noProof="0" dirty="0">
-                <a:ln>
-                  <a:noFill/>
-                </a:ln>
-                <a:solidFill>
-                  <a:schemeClr val="accent2"/>
-                </a:solidFill>
-                <a:effectLst/>
-                <a:uLnTx/>
-                <a:uFillTx/>
-                <a:latin typeface="Open Sans"/>
-                <a:ea typeface="+mn-ea"/>
-                <a:cs typeface="+mn-cs"/>
-              </a:rPr>
-              <a:t> Timeline</a:t>
-            </a:r>
-            <a:endParaRPr lang="id-ID" sz="4400" b="1" spc="-400" dirty="0">
-              <a:solidFill>
-                <a:schemeClr val="accent2"/>
-              </a:solidFill>
-              <a:latin typeface="Open Sans"/>
-            </a:endParaRPr>
-          </a:p>
-        </p:txBody>
-      </p:sp>
-      <p:sp>
-        <p:nvSpPr>
-          <p:cNvPr id="11" name="TextBox 10">
-            <a:extLst>
-              <a:ext uri="{FF2B5EF4-FFF2-40B4-BE49-F238E27FC236}">
-                <a16:creationId xmlns:a16="http://schemas.microsoft.com/office/drawing/2014/main" id="{4DBE8C23-8CBB-43DF-B60B-01BECA80BA25}"/>
-              </a:ext>
-            </a:extLst>
-          </p:cNvPr>
-          <p:cNvSpPr txBox="1"/>
-          <p:nvPr/>
-        </p:nvSpPr>
-        <p:spPr>
-          <a:xfrm>
-            <a:off x="7790329" y="6162346"/>
-            <a:ext cx="6096000" cy="369332"/>
-          </a:xfrm>
-          <a:prstGeom prst="rect">
-            <a:avLst/>
-          </a:prstGeom>
-          <a:noFill/>
-        </p:spPr>
-        <p:txBody>
-          <a:bodyPr wrap="square">
-            <a:spAutoFit/>
-          </a:bodyPr>
-          <a:lstStyle/>
-          <a:p>
-            <a:r>
-              <a:rPr lang="en-US" dirty="0">
-                <a:hlinkClick r:id="rId3"/>
-              </a:rPr>
-              <a:t>Internet Archive: </a:t>
-            </a:r>
-            <a:r>
-              <a:rPr lang="en-US" dirty="0" err="1">
-                <a:hlinkClick r:id="rId3"/>
-              </a:rPr>
-              <a:t>Wayback</a:t>
-            </a:r>
-            <a:r>
-              <a:rPr lang="en-US" dirty="0">
-                <a:hlinkClick r:id="rId3"/>
-              </a:rPr>
-              <a:t> Machine</a:t>
-            </a:r>
-            <a:endParaRPr lang="en-US" dirty="0"/>
-          </a:p>
-        </p:txBody>
-      </p:sp>
-      <p:pic>
-        <p:nvPicPr>
-          <p:cNvPr id="6" name="Picture 5">
-            <a:extLst>
-              <a:ext uri="{FF2B5EF4-FFF2-40B4-BE49-F238E27FC236}">
-                <a16:creationId xmlns:a16="http://schemas.microsoft.com/office/drawing/2014/main" id="{25C8DA59-6055-4138-B5A9-E40CF8968675}"/>
-              </a:ext>
-            </a:extLst>
-          </p:cNvPr>
-          <p:cNvPicPr>
-            <a:picLocks noChangeAspect="1"/>
-          </p:cNvPicPr>
-          <p:nvPr/>
-        </p:nvPicPr>
-        <p:blipFill>
-          <a:blip r:embed="rId4"/>
-          <a:stretch>
-            <a:fillRect/>
-          </a:stretch>
-        </p:blipFill>
-        <p:spPr>
-          <a:xfrm>
-            <a:off x="1963271" y="1359921"/>
-            <a:ext cx="8265458" cy="4138158"/>
-          </a:xfrm>
-          <a:prstGeom prst="rect">
-            <a:avLst/>
-          </a:prstGeom>
-        </p:spPr>
-      </p:pic>
-    </p:spTree>
-    <p:extLst>
-      <p:ext uri="{BB962C8B-B14F-4D97-AF65-F5344CB8AC3E}">
-        <p14:creationId xmlns:p14="http://schemas.microsoft.com/office/powerpoint/2010/main" val="1934822060"/>
-      </p:ext>
-    </p:extLst>
-  </p:cSld>
-  <p:clrMapOvr>
-    <a:masterClrMapping/>
-  </p:clrMapOvr>
-  <p:transition spd="slow">
-    <p:comb/>
-  </p:transition>
-</p:sld>
-</file>
-
-<file path=ppt/slides/slide19.xml><?xml version="1.0" encoding="utf-8"?>
-<p:sld xmlns:a="http://schemas.openxmlformats.org/drawingml/2006/main" xmlns:r="http://schemas.openxmlformats.org/officeDocument/2006/relationships" xmlns:p="http://schemas.openxmlformats.org/presentationml/2006/main">
-  <p:cSld>
-    <p:bg>
-      <p:bgPr>
-        <a:solidFill>
-          <a:srgbClr val="212E3C"/>
-        </a:solidFill>
-        <a:effectLst/>
-      </p:bgPr>
-    </p:bg>
-    <p:spTree>
-      <p:nvGrpSpPr>
-        <p:cNvPr id="1" name=""/>
-        <p:cNvGrpSpPr/>
-        <p:nvPr/>
-      </p:nvGrpSpPr>
-      <p:grpSpPr>
-        <a:xfrm>
-          <a:off x="0" y="0"/>
-          <a:ext cx="0" cy="0"/>
-          <a:chOff x="0" y="0"/>
-          <a:chExt cx="0" cy="0"/>
-        </a:xfrm>
-      </p:grpSpPr>
-      <p:sp>
-        <p:nvSpPr>
-          <p:cNvPr id="9" name="TextBox 8"/>
-          <p:cNvSpPr txBox="1"/>
-          <p:nvPr/>
-        </p:nvSpPr>
-        <p:spPr>
-          <a:xfrm>
-            <a:off x="1749226" y="2183106"/>
-            <a:ext cx="8545930" cy="1200329"/>
-          </a:xfrm>
-          <a:prstGeom prst="rect">
-            <a:avLst/>
-          </a:prstGeom>
-          <a:noFill/>
-        </p:spPr>
-        <p:txBody>
-          <a:bodyPr wrap="none" rtlCol="0">
-            <a:spAutoFit/>
-          </a:bodyPr>
-          <a:lstStyle/>
-          <a:p>
-            <a:pPr marL="0" marR="0" lvl="0" indent="0" algn="ctr" defTabSz="914400" rtl="0" eaLnBrk="1" fontAlgn="auto" latinLnBrk="0" hangingPunct="1">
-              <a:lnSpc>
-                <a:spcPct val="100000"/>
-              </a:lnSpc>
-              <a:spcBef>
-                <a:spcPts val="0"/>
-              </a:spcBef>
-              <a:spcAft>
-                <a:spcPts val="0"/>
-              </a:spcAft>
-              <a:buClrTx/>
-              <a:buSzTx/>
-              <a:buFontTx/>
-              <a:buNone/>
-              <a:tabLst/>
-              <a:defRPr/>
-            </a:pPr>
-            <a:r>
-              <a:rPr kumimoji="0" lang="en-US" sz="7200" b="1" i="0" u="none" strike="noStrike" kern="1200" cap="none" spc="-400" normalizeH="0" baseline="0" noProof="0" dirty="0" err="1">
-                <a:ln>
-                  <a:noFill/>
-                </a:ln>
-                <a:solidFill>
-                  <a:schemeClr val="accent5"/>
-                </a:solidFill>
-                <a:effectLst/>
-                <a:uLnTx/>
-                <a:uFillTx/>
-                <a:latin typeface="Open Sans"/>
-                <a:ea typeface="+mn-ea"/>
-                <a:cs typeface="+mn-cs"/>
-              </a:rPr>
-              <a:t>Plaso</a:t>
-            </a:r>
-            <a:r>
-              <a:rPr kumimoji="0" lang="en-US" sz="7200" b="1" i="0" u="none" strike="noStrike" kern="1200" cap="none" spc="-400" normalizeH="0" baseline="0" noProof="0" dirty="0">
-                <a:ln>
-                  <a:noFill/>
-                </a:ln>
-                <a:solidFill>
-                  <a:schemeClr val="accent5"/>
-                </a:solidFill>
-                <a:effectLst/>
-                <a:uLnTx/>
-                <a:uFillTx/>
-                <a:latin typeface="Open Sans"/>
-                <a:ea typeface="+mn-ea"/>
-                <a:cs typeface="+mn-cs"/>
-              </a:rPr>
-              <a:t> – Log2timeline</a:t>
-            </a:r>
-            <a:endParaRPr lang="id-ID" sz="7200" b="1" spc="-400" dirty="0">
-              <a:solidFill>
-                <a:schemeClr val="accent5"/>
-              </a:solidFill>
-              <a:latin typeface="Open Sans"/>
-            </a:endParaRPr>
-          </a:p>
-        </p:txBody>
-      </p:sp>
-      <p:sp>
-        <p:nvSpPr>
-          <p:cNvPr id="11" name="TextBox 10">
-            <a:extLst>
-              <a:ext uri="{FF2B5EF4-FFF2-40B4-BE49-F238E27FC236}">
-                <a16:creationId xmlns:a16="http://schemas.microsoft.com/office/drawing/2014/main" id="{B3918D10-6307-4947-BD3F-7B51A69EAD23}"/>
-              </a:ext>
-            </a:extLst>
-          </p:cNvPr>
-          <p:cNvSpPr txBox="1"/>
-          <p:nvPr/>
-        </p:nvSpPr>
-        <p:spPr>
-          <a:xfrm>
-            <a:off x="2788023" y="6068669"/>
-            <a:ext cx="6983506" cy="369332"/>
-          </a:xfrm>
-          <a:prstGeom prst="rect">
-            <a:avLst/>
-          </a:prstGeom>
-          <a:noFill/>
-        </p:spPr>
-        <p:txBody>
-          <a:bodyPr wrap="square">
-            <a:spAutoFit/>
-          </a:bodyPr>
-          <a:lstStyle/>
-          <a:p>
-            <a:r>
-              <a:rPr lang="en-US" dirty="0">
-                <a:hlinkClick r:id="rId3"/>
-              </a:rPr>
-              <a:t>log2timeline/</a:t>
-            </a:r>
-            <a:r>
-              <a:rPr lang="en-US" dirty="0" err="1">
-                <a:hlinkClick r:id="rId3"/>
-              </a:rPr>
-              <a:t>plaso</a:t>
-            </a:r>
-            <a:r>
-              <a:rPr lang="en-US" dirty="0">
-                <a:hlinkClick r:id="rId3"/>
-              </a:rPr>
-              <a:t>: Super timeline all the things (github.com)</a:t>
-            </a:r>
-            <a:endParaRPr lang="en-US" dirty="0"/>
-          </a:p>
-        </p:txBody>
-      </p:sp>
-    </p:spTree>
-    <p:extLst>
-      <p:ext uri="{BB962C8B-B14F-4D97-AF65-F5344CB8AC3E}">
-        <p14:creationId xmlns:p14="http://schemas.microsoft.com/office/powerpoint/2010/main" val="1317300803"/>
       </p:ext>
     </p:extLst>
   </p:cSld>
@@ -25655,6 +26515,1007 @@
     <p:bg>
       <p:bgPr>
         <a:solidFill>
+          <a:srgbClr val="212E3C"/>
+        </a:solidFill>
+        <a:effectLst/>
+      </p:bgPr>
+    </p:bg>
+    <p:spTree>
+      <p:nvGrpSpPr>
+        <p:cNvPr id="1" name=""/>
+        <p:cNvGrpSpPr/>
+        <p:nvPr/>
+      </p:nvGrpSpPr>
+      <p:grpSpPr>
+        <a:xfrm>
+          <a:off x="0" y="0"/>
+          <a:ext cx="0" cy="0"/>
+          <a:chOff x="0" y="0"/>
+          <a:chExt cx="0" cy="0"/>
+        </a:xfrm>
+      </p:grpSpPr>
+      <p:sp>
+        <p:nvSpPr>
+          <p:cNvPr id="9" name="TextBox 8"/>
+          <p:cNvSpPr txBox="1"/>
+          <p:nvPr/>
+        </p:nvSpPr>
+        <p:spPr>
+          <a:xfrm>
+            <a:off x="402288" y="399131"/>
+            <a:ext cx="3372975" cy="769441"/>
+          </a:xfrm>
+          <a:prstGeom prst="rect">
+            <a:avLst/>
+          </a:prstGeom>
+          <a:noFill/>
+        </p:spPr>
+        <p:txBody>
+          <a:bodyPr wrap="none" rtlCol="0">
+            <a:spAutoFit/>
+          </a:bodyPr>
+          <a:lstStyle/>
+          <a:p>
+            <a:pPr marL="0" marR="0" lvl="0" indent="0" algn="ctr" defTabSz="914400" rtl="0" eaLnBrk="1" fontAlgn="auto" latinLnBrk="0" hangingPunct="1">
+              <a:lnSpc>
+                <a:spcPct val="100000"/>
+              </a:lnSpc>
+              <a:spcBef>
+                <a:spcPts val="0"/>
+              </a:spcBef>
+              <a:spcAft>
+                <a:spcPts val="0"/>
+              </a:spcAft>
+              <a:buClrTx/>
+              <a:buSzTx/>
+              <a:buFontTx/>
+              <a:buNone/>
+              <a:tabLst/>
+              <a:defRPr/>
+            </a:pPr>
+            <a:r>
+              <a:rPr lang="en-US" sz="4400" b="1" spc="-400" dirty="0">
+                <a:solidFill>
+                  <a:schemeClr val="accent2"/>
+                </a:solidFill>
+                <a:latin typeface="Open Sans"/>
+              </a:rPr>
+              <a:t>Web</a:t>
+            </a:r>
+            <a:r>
+              <a:rPr kumimoji="0" lang="en-US" sz="4400" b="1" i="0" u="none" strike="noStrike" kern="1200" cap="none" spc="-400" normalizeH="0" baseline="0" noProof="0" dirty="0">
+                <a:ln>
+                  <a:noFill/>
+                </a:ln>
+                <a:solidFill>
+                  <a:schemeClr val="accent2"/>
+                </a:solidFill>
+                <a:effectLst/>
+                <a:uLnTx/>
+                <a:uFillTx/>
+                <a:latin typeface="Open Sans"/>
+                <a:ea typeface="+mn-ea"/>
+                <a:cs typeface="+mn-cs"/>
+              </a:rPr>
+              <a:t> Timeline</a:t>
+            </a:r>
+            <a:endParaRPr lang="id-ID" sz="4400" b="1" spc="-400" dirty="0">
+              <a:solidFill>
+                <a:schemeClr val="accent2"/>
+              </a:solidFill>
+              <a:latin typeface="Open Sans"/>
+            </a:endParaRPr>
+          </a:p>
+        </p:txBody>
+      </p:sp>
+      <p:sp>
+        <p:nvSpPr>
+          <p:cNvPr id="11" name="TextBox 10">
+            <a:extLst>
+              <a:ext uri="{FF2B5EF4-FFF2-40B4-BE49-F238E27FC236}">
+                <a16:creationId xmlns:a16="http://schemas.microsoft.com/office/drawing/2014/main" id="{4DBE8C23-8CBB-43DF-B60B-01BECA80BA25}"/>
+              </a:ext>
+            </a:extLst>
+          </p:cNvPr>
+          <p:cNvSpPr txBox="1"/>
+          <p:nvPr/>
+        </p:nvSpPr>
+        <p:spPr>
+          <a:xfrm>
+            <a:off x="7790329" y="6162346"/>
+            <a:ext cx="6096000" cy="369332"/>
+          </a:xfrm>
+          <a:prstGeom prst="rect">
+            <a:avLst/>
+          </a:prstGeom>
+          <a:noFill/>
+        </p:spPr>
+        <p:txBody>
+          <a:bodyPr wrap="square">
+            <a:spAutoFit/>
+          </a:bodyPr>
+          <a:lstStyle/>
+          <a:p>
+            <a:r>
+              <a:rPr lang="en-US" dirty="0">
+                <a:hlinkClick r:id="rId3"/>
+              </a:rPr>
+              <a:t>Internet Archive: </a:t>
+            </a:r>
+            <a:r>
+              <a:rPr lang="en-US" dirty="0" err="1">
+                <a:hlinkClick r:id="rId3"/>
+              </a:rPr>
+              <a:t>Wayback</a:t>
+            </a:r>
+            <a:r>
+              <a:rPr lang="en-US" dirty="0">
+                <a:hlinkClick r:id="rId3"/>
+              </a:rPr>
+              <a:t> Machine</a:t>
+            </a:r>
+            <a:endParaRPr lang="en-US" dirty="0"/>
+          </a:p>
+        </p:txBody>
+      </p:sp>
+      <p:pic>
+        <p:nvPicPr>
+          <p:cNvPr id="6" name="Picture 5">
+            <a:extLst>
+              <a:ext uri="{FF2B5EF4-FFF2-40B4-BE49-F238E27FC236}">
+                <a16:creationId xmlns:a16="http://schemas.microsoft.com/office/drawing/2014/main" id="{25C8DA59-6055-4138-B5A9-E40CF8968675}"/>
+              </a:ext>
+            </a:extLst>
+          </p:cNvPr>
+          <p:cNvPicPr>
+            <a:picLocks noChangeAspect="1"/>
+          </p:cNvPicPr>
+          <p:nvPr/>
+        </p:nvPicPr>
+        <p:blipFill>
+          <a:blip r:embed="rId4"/>
+          <a:stretch>
+            <a:fillRect/>
+          </a:stretch>
+        </p:blipFill>
+        <p:spPr>
+          <a:xfrm>
+            <a:off x="1963271" y="1359921"/>
+            <a:ext cx="8265458" cy="4138158"/>
+          </a:xfrm>
+          <a:prstGeom prst="rect">
+            <a:avLst/>
+          </a:prstGeom>
+        </p:spPr>
+      </p:pic>
+    </p:spTree>
+    <p:extLst>
+      <p:ext uri="{BB962C8B-B14F-4D97-AF65-F5344CB8AC3E}">
+        <p14:creationId xmlns:p14="http://schemas.microsoft.com/office/powerpoint/2010/main" val="1934822060"/>
+      </p:ext>
+    </p:extLst>
+  </p:cSld>
+  <p:clrMapOvr>
+    <a:masterClrMapping/>
+  </p:clrMapOvr>
+  <p:transition spd="slow">
+    <p:comb/>
+  </p:transition>
+</p:sld>
+</file>
+
+<file path=ppt/slides/slide21.xml><?xml version="1.0" encoding="utf-8"?>
+<p:sld xmlns:a="http://schemas.openxmlformats.org/drawingml/2006/main" xmlns:r="http://schemas.openxmlformats.org/officeDocument/2006/relationships" xmlns:p="http://schemas.openxmlformats.org/presentationml/2006/main">
+  <p:cSld>
+    <p:bg>
+      <p:bgPr>
+        <a:solidFill>
+          <a:srgbClr val="212E3C"/>
+        </a:solidFill>
+        <a:effectLst/>
+      </p:bgPr>
+    </p:bg>
+    <p:spTree>
+      <p:nvGrpSpPr>
+        <p:cNvPr id="1" name=""/>
+        <p:cNvGrpSpPr/>
+        <p:nvPr/>
+      </p:nvGrpSpPr>
+      <p:grpSpPr>
+        <a:xfrm>
+          <a:off x="0" y="0"/>
+          <a:ext cx="0" cy="0"/>
+          <a:chOff x="0" y="0"/>
+          <a:chExt cx="0" cy="0"/>
+        </a:xfrm>
+      </p:grpSpPr>
+      <p:sp>
+        <p:nvSpPr>
+          <p:cNvPr id="9" name="TextBox 8"/>
+          <p:cNvSpPr txBox="1"/>
+          <p:nvPr/>
+        </p:nvSpPr>
+        <p:spPr>
+          <a:xfrm>
+            <a:off x="1749226" y="2183106"/>
+            <a:ext cx="8545930" cy="1200329"/>
+          </a:xfrm>
+          <a:prstGeom prst="rect">
+            <a:avLst/>
+          </a:prstGeom>
+          <a:noFill/>
+        </p:spPr>
+        <p:txBody>
+          <a:bodyPr wrap="none" rtlCol="0">
+            <a:spAutoFit/>
+          </a:bodyPr>
+          <a:lstStyle/>
+          <a:p>
+            <a:pPr marL="0" marR="0" lvl="0" indent="0" algn="ctr" defTabSz="914400" rtl="0" eaLnBrk="1" fontAlgn="auto" latinLnBrk="0" hangingPunct="1">
+              <a:lnSpc>
+                <a:spcPct val="100000"/>
+              </a:lnSpc>
+              <a:spcBef>
+                <a:spcPts val="0"/>
+              </a:spcBef>
+              <a:spcAft>
+                <a:spcPts val="0"/>
+              </a:spcAft>
+              <a:buClrTx/>
+              <a:buSzTx/>
+              <a:buFontTx/>
+              <a:buNone/>
+              <a:tabLst/>
+              <a:defRPr/>
+            </a:pPr>
+            <a:r>
+              <a:rPr kumimoji="0" lang="en-US" sz="7200" b="1" i="0" u="none" strike="noStrike" kern="1200" cap="none" spc="-400" normalizeH="0" baseline="0" noProof="0" dirty="0" err="1">
+                <a:ln>
+                  <a:noFill/>
+                </a:ln>
+                <a:solidFill>
+                  <a:schemeClr val="accent5"/>
+                </a:solidFill>
+                <a:effectLst/>
+                <a:uLnTx/>
+                <a:uFillTx/>
+                <a:latin typeface="Open Sans"/>
+                <a:ea typeface="+mn-ea"/>
+                <a:cs typeface="+mn-cs"/>
+              </a:rPr>
+              <a:t>Plaso</a:t>
+            </a:r>
+            <a:r>
+              <a:rPr kumimoji="0" lang="en-US" sz="7200" b="1" i="0" u="none" strike="noStrike" kern="1200" cap="none" spc="-400" normalizeH="0" baseline="0" noProof="0" dirty="0">
+                <a:ln>
+                  <a:noFill/>
+                </a:ln>
+                <a:solidFill>
+                  <a:schemeClr val="accent5"/>
+                </a:solidFill>
+                <a:effectLst/>
+                <a:uLnTx/>
+                <a:uFillTx/>
+                <a:latin typeface="Open Sans"/>
+                <a:ea typeface="+mn-ea"/>
+                <a:cs typeface="+mn-cs"/>
+              </a:rPr>
+              <a:t> – Log2timeline</a:t>
+            </a:r>
+            <a:endParaRPr lang="id-ID" sz="7200" b="1" spc="-400" dirty="0">
+              <a:solidFill>
+                <a:schemeClr val="accent5"/>
+              </a:solidFill>
+              <a:latin typeface="Open Sans"/>
+            </a:endParaRPr>
+          </a:p>
+        </p:txBody>
+      </p:sp>
+      <p:sp>
+        <p:nvSpPr>
+          <p:cNvPr id="11" name="TextBox 10">
+            <a:extLst>
+              <a:ext uri="{FF2B5EF4-FFF2-40B4-BE49-F238E27FC236}">
+                <a16:creationId xmlns:a16="http://schemas.microsoft.com/office/drawing/2014/main" id="{B3918D10-6307-4947-BD3F-7B51A69EAD23}"/>
+              </a:ext>
+            </a:extLst>
+          </p:cNvPr>
+          <p:cNvSpPr txBox="1"/>
+          <p:nvPr/>
+        </p:nvSpPr>
+        <p:spPr>
+          <a:xfrm>
+            <a:off x="2788023" y="6068669"/>
+            <a:ext cx="6983506" cy="369332"/>
+          </a:xfrm>
+          <a:prstGeom prst="rect">
+            <a:avLst/>
+          </a:prstGeom>
+          <a:noFill/>
+        </p:spPr>
+        <p:txBody>
+          <a:bodyPr wrap="square">
+            <a:spAutoFit/>
+          </a:bodyPr>
+          <a:lstStyle/>
+          <a:p>
+            <a:r>
+              <a:rPr lang="en-US" dirty="0">
+                <a:hlinkClick r:id="rId3"/>
+              </a:rPr>
+              <a:t>log2timeline/</a:t>
+            </a:r>
+            <a:r>
+              <a:rPr lang="en-US" dirty="0" err="1">
+                <a:hlinkClick r:id="rId3"/>
+              </a:rPr>
+              <a:t>plaso</a:t>
+            </a:r>
+            <a:r>
+              <a:rPr lang="en-US" dirty="0">
+                <a:hlinkClick r:id="rId3"/>
+              </a:rPr>
+              <a:t>: Super timeline all the things (github.com)</a:t>
+            </a:r>
+            <a:endParaRPr lang="en-US" dirty="0"/>
+          </a:p>
+        </p:txBody>
+      </p:sp>
+    </p:spTree>
+    <p:extLst>
+      <p:ext uri="{BB962C8B-B14F-4D97-AF65-F5344CB8AC3E}">
+        <p14:creationId xmlns:p14="http://schemas.microsoft.com/office/powerpoint/2010/main" val="1317300803"/>
+      </p:ext>
+    </p:extLst>
+  </p:cSld>
+  <p:clrMapOvr>
+    <a:masterClrMapping/>
+  </p:clrMapOvr>
+  <p:transition spd="slow">
+    <p:comb/>
+  </p:transition>
+</p:sld>
+</file>
+
+<file path=ppt/slides/slide22.xml><?xml version="1.0" encoding="utf-8"?>
+<p:sld xmlns:a="http://schemas.openxmlformats.org/drawingml/2006/main" xmlns:r="http://schemas.openxmlformats.org/officeDocument/2006/relationships" xmlns:p="http://schemas.openxmlformats.org/presentationml/2006/main">
+  <p:cSld>
+    <p:bg>
+      <p:bgPr>
+        <a:solidFill>
+          <a:srgbClr val="212E3C"/>
+        </a:solidFill>
+        <a:effectLst/>
+      </p:bgPr>
+    </p:bg>
+    <p:spTree>
+      <p:nvGrpSpPr>
+        <p:cNvPr id="1" name=""/>
+        <p:cNvGrpSpPr/>
+        <p:nvPr/>
+      </p:nvGrpSpPr>
+      <p:grpSpPr>
+        <a:xfrm>
+          <a:off x="0" y="0"/>
+          <a:ext cx="0" cy="0"/>
+          <a:chOff x="0" y="0"/>
+          <a:chExt cx="0" cy="0"/>
+        </a:xfrm>
+      </p:grpSpPr>
+      <p:sp>
+        <p:nvSpPr>
+          <p:cNvPr id="5" name="TextBox 4">
+            <a:extLst>
+              <a:ext uri="{FF2B5EF4-FFF2-40B4-BE49-F238E27FC236}">
+                <a16:creationId xmlns:a16="http://schemas.microsoft.com/office/drawing/2014/main" id="{7A99D164-C9CD-4614-AFD5-269CBFEB8359}"/>
+              </a:ext>
+            </a:extLst>
+          </p:cNvPr>
+          <p:cNvSpPr txBox="1"/>
+          <p:nvPr/>
+        </p:nvSpPr>
+        <p:spPr>
+          <a:xfrm>
+            <a:off x="1326776" y="2163685"/>
+            <a:ext cx="10040471" cy="3477875"/>
+          </a:xfrm>
+          <a:prstGeom prst="rect">
+            <a:avLst/>
+          </a:prstGeom>
+          <a:noFill/>
+        </p:spPr>
+        <p:txBody>
+          <a:bodyPr wrap="square" numCol="2">
+            <a:spAutoFit/>
+          </a:bodyPr>
+          <a:lstStyle/>
+          <a:p>
+            <a:r>
+              <a:rPr lang="en-US" sz="2000" b="0" i="1" dirty="0">
+                <a:solidFill>
+                  <a:schemeClr val="accent1"/>
+                </a:solidFill>
+                <a:effectLst/>
+                <a:latin typeface="CMSY10"/>
+              </a:rPr>
+              <a:t>• </a:t>
+            </a:r>
+            <a:r>
+              <a:rPr lang="en-US" sz="2000" b="0" i="0" dirty="0">
+                <a:solidFill>
+                  <a:schemeClr val="accent1"/>
+                </a:solidFill>
+                <a:effectLst/>
+                <a:latin typeface="CMR10"/>
+              </a:rPr>
+              <a:t>EnCase, FTK</a:t>
+            </a:r>
+            <a:br>
+              <a:rPr lang="en-US" sz="2000" b="0" i="0" dirty="0">
+                <a:solidFill>
+                  <a:schemeClr val="accent1"/>
+                </a:solidFill>
+                <a:effectLst/>
+                <a:latin typeface="CMR10"/>
+              </a:rPr>
+            </a:br>
+            <a:r>
+              <a:rPr lang="en-US" sz="2000" b="0" i="1" dirty="0">
+                <a:solidFill>
+                  <a:schemeClr val="accent1"/>
+                </a:solidFill>
+                <a:effectLst/>
+                <a:latin typeface="CMSY10"/>
+              </a:rPr>
+              <a:t>• </a:t>
+            </a:r>
+            <a:r>
+              <a:rPr lang="en-US" sz="2000" b="0" i="0" dirty="0">
+                <a:solidFill>
+                  <a:schemeClr val="accent1"/>
+                </a:solidFill>
+                <a:effectLst/>
+                <a:latin typeface="CMR10"/>
+              </a:rPr>
+              <a:t>Log2Timeline</a:t>
+            </a:r>
+            <a:br>
+              <a:rPr lang="en-US" sz="2000" b="0" i="0" dirty="0">
+                <a:solidFill>
+                  <a:schemeClr val="accent1"/>
+                </a:solidFill>
+                <a:effectLst/>
+                <a:latin typeface="CMR10"/>
+              </a:rPr>
+            </a:br>
+            <a:r>
+              <a:rPr lang="en-US" sz="2000" b="0" i="1" dirty="0">
+                <a:solidFill>
+                  <a:schemeClr val="accent1"/>
+                </a:solidFill>
+                <a:effectLst/>
+                <a:latin typeface="CMSY10"/>
+              </a:rPr>
+              <a:t>• </a:t>
+            </a:r>
+            <a:r>
+              <a:rPr lang="en-US" sz="2000" b="0" i="0" dirty="0">
+                <a:solidFill>
+                  <a:schemeClr val="accent1"/>
+                </a:solidFill>
+                <a:effectLst/>
+                <a:latin typeface="CMR10"/>
+              </a:rPr>
+              <a:t>The Sleuth Kit (</a:t>
+            </a:r>
+            <a:r>
+              <a:rPr lang="en-US" sz="2000" b="0" i="0" dirty="0" err="1">
+                <a:solidFill>
+                  <a:schemeClr val="accent1"/>
+                </a:solidFill>
+                <a:effectLst/>
+                <a:latin typeface="CMR10"/>
+              </a:rPr>
+              <a:t>ils</a:t>
+            </a:r>
+            <a:r>
+              <a:rPr lang="en-US" sz="2000" b="0" i="0" dirty="0">
+                <a:solidFill>
+                  <a:schemeClr val="accent1"/>
+                </a:solidFill>
+                <a:effectLst/>
+                <a:latin typeface="CMR10"/>
+              </a:rPr>
+              <a:t>, </a:t>
+            </a:r>
+            <a:r>
+              <a:rPr lang="en-US" sz="2000" b="0" i="0" dirty="0" err="1">
+                <a:solidFill>
+                  <a:schemeClr val="accent1"/>
+                </a:solidFill>
+                <a:effectLst/>
+                <a:latin typeface="CMR10"/>
+              </a:rPr>
+              <a:t>fls</a:t>
+            </a:r>
+            <a:r>
+              <a:rPr lang="en-US" sz="2000" b="0" i="0" dirty="0">
+                <a:solidFill>
+                  <a:schemeClr val="accent1"/>
+                </a:solidFill>
+                <a:effectLst/>
+                <a:latin typeface="CMR10"/>
+              </a:rPr>
+              <a:t>, </a:t>
+            </a:r>
+            <a:r>
+              <a:rPr lang="en-US" sz="2000" b="0" i="0" dirty="0" err="1">
+                <a:solidFill>
+                  <a:schemeClr val="accent1"/>
+                </a:solidFill>
+                <a:effectLst/>
+                <a:latin typeface="CMR10"/>
+              </a:rPr>
+              <a:t>mactime</a:t>
+            </a:r>
+            <a:r>
+              <a:rPr lang="en-US" sz="2000" b="0" i="0" dirty="0">
+                <a:solidFill>
+                  <a:schemeClr val="accent1"/>
+                </a:solidFill>
+                <a:effectLst/>
+                <a:latin typeface="CMR10"/>
+              </a:rPr>
+              <a:t>), PTK, Autopsy, </a:t>
+            </a:r>
+            <a:r>
+              <a:rPr lang="en-US" sz="2000" b="0" i="0" dirty="0" err="1">
+                <a:solidFill>
+                  <a:schemeClr val="accent1"/>
+                </a:solidFill>
+                <a:effectLst/>
+                <a:latin typeface="CMR10"/>
+              </a:rPr>
+              <a:t>Fiwalk</a:t>
+            </a:r>
+            <a:br>
+              <a:rPr lang="en-US" sz="2000" b="0" i="0" dirty="0">
+                <a:solidFill>
+                  <a:schemeClr val="accent1"/>
+                </a:solidFill>
+                <a:effectLst/>
+                <a:latin typeface="CMR10"/>
+              </a:rPr>
+            </a:br>
+            <a:r>
+              <a:rPr lang="en-US" sz="2000" b="0" i="1" dirty="0">
+                <a:solidFill>
+                  <a:schemeClr val="accent1"/>
+                </a:solidFill>
+                <a:effectLst/>
+                <a:latin typeface="CMSY10"/>
+              </a:rPr>
+              <a:t>• </a:t>
+            </a:r>
+            <a:r>
+              <a:rPr lang="en-US" sz="2000" b="0" i="0" dirty="0">
+                <a:solidFill>
+                  <a:schemeClr val="accent1"/>
+                </a:solidFill>
+                <a:effectLst/>
+                <a:latin typeface="CMR10"/>
+              </a:rPr>
+              <a:t>Ex-Tip</a:t>
+            </a:r>
+            <a:br>
+              <a:rPr lang="en-US" sz="2000" b="0" i="0" dirty="0">
+                <a:solidFill>
+                  <a:schemeClr val="accent1"/>
+                </a:solidFill>
+                <a:effectLst/>
+                <a:latin typeface="CMR10"/>
+              </a:rPr>
+            </a:br>
+            <a:r>
+              <a:rPr lang="en-US" sz="2000" b="0" i="1" dirty="0">
+                <a:solidFill>
+                  <a:schemeClr val="accent1"/>
+                </a:solidFill>
+                <a:effectLst/>
+                <a:latin typeface="CMSY10"/>
+              </a:rPr>
+              <a:t>• </a:t>
+            </a:r>
+            <a:r>
+              <a:rPr lang="en-US" sz="2000" b="0" i="0" dirty="0">
+                <a:solidFill>
+                  <a:schemeClr val="accent1"/>
+                </a:solidFill>
+                <a:effectLst/>
+                <a:latin typeface="CMR10"/>
+              </a:rPr>
+              <a:t>NTI </a:t>
+            </a:r>
+            <a:r>
+              <a:rPr lang="en-US" sz="2000" b="0" i="0" dirty="0" err="1">
+                <a:solidFill>
+                  <a:schemeClr val="accent1"/>
+                </a:solidFill>
+                <a:effectLst/>
+                <a:latin typeface="CMR10"/>
+              </a:rPr>
+              <a:t>FileList</a:t>
+            </a:r>
+            <a:r>
+              <a:rPr lang="en-US" sz="2000" b="0" i="0" dirty="0">
+                <a:solidFill>
+                  <a:schemeClr val="accent1"/>
+                </a:solidFill>
+                <a:effectLst/>
+                <a:latin typeface="CMR10"/>
+              </a:rPr>
+              <a:t> Pro</a:t>
+            </a:r>
+            <a:br>
+              <a:rPr lang="en-US" sz="2000" b="0" i="0" dirty="0">
+                <a:solidFill>
+                  <a:schemeClr val="accent1"/>
+                </a:solidFill>
+                <a:effectLst/>
+                <a:latin typeface="CMR10"/>
+              </a:rPr>
+            </a:br>
+            <a:r>
+              <a:rPr lang="en-US" sz="2000" b="0" i="1" dirty="0">
+                <a:solidFill>
+                  <a:schemeClr val="accent1"/>
+                </a:solidFill>
+                <a:effectLst/>
+                <a:latin typeface="CMSY10"/>
+              </a:rPr>
+              <a:t>• </a:t>
+            </a:r>
+            <a:r>
+              <a:rPr lang="en-US" sz="2000" b="0" i="0" dirty="0" err="1">
+                <a:solidFill>
+                  <a:schemeClr val="accent1"/>
+                </a:solidFill>
+                <a:effectLst/>
+                <a:latin typeface="CMR10"/>
+              </a:rPr>
+              <a:t>Zeitline</a:t>
+            </a:r>
+            <a:r>
+              <a:rPr lang="en-US" sz="2000" b="0" i="0" dirty="0">
+                <a:solidFill>
+                  <a:schemeClr val="accent1"/>
+                </a:solidFill>
+                <a:effectLst/>
+                <a:latin typeface="CMR10"/>
+              </a:rPr>
+              <a:t> (Buchholz &amp; Falk, 2005)</a:t>
+            </a:r>
+            <a:br>
+              <a:rPr lang="en-US" sz="2000" b="0" i="0" dirty="0">
+                <a:solidFill>
+                  <a:schemeClr val="accent1"/>
+                </a:solidFill>
+                <a:effectLst/>
+                <a:latin typeface="CMR10"/>
+              </a:rPr>
+            </a:br>
+            <a:endParaRPr lang="en-US" sz="2000" b="0" i="0" dirty="0">
+              <a:solidFill>
+                <a:schemeClr val="accent1"/>
+              </a:solidFill>
+              <a:effectLst/>
+              <a:latin typeface="CMR10"/>
+            </a:endParaRPr>
+          </a:p>
+          <a:p>
+            <a:endParaRPr lang="en-US" sz="2000" i="1" dirty="0">
+              <a:solidFill>
+                <a:schemeClr val="accent1"/>
+              </a:solidFill>
+              <a:latin typeface="CMSY10"/>
+            </a:endParaRPr>
+          </a:p>
+          <a:p>
+            <a:endParaRPr lang="en-US" sz="2000" b="0" i="1" dirty="0">
+              <a:solidFill>
+                <a:schemeClr val="accent1"/>
+              </a:solidFill>
+              <a:effectLst/>
+              <a:latin typeface="CMSY10"/>
+            </a:endParaRPr>
+          </a:p>
+          <a:p>
+            <a:endParaRPr lang="en-US" sz="2000" i="1" dirty="0">
+              <a:solidFill>
+                <a:schemeClr val="accent1"/>
+              </a:solidFill>
+              <a:latin typeface="CMSY10"/>
+            </a:endParaRPr>
+          </a:p>
+          <a:p>
+            <a:r>
+              <a:rPr lang="en-US" sz="2000" b="0" i="1" dirty="0">
+                <a:solidFill>
+                  <a:schemeClr val="accent1"/>
+                </a:solidFill>
+                <a:effectLst/>
+                <a:latin typeface="CMSY10"/>
+              </a:rPr>
+              <a:t>• </a:t>
+            </a:r>
+            <a:r>
+              <a:rPr lang="en-US" sz="2000" b="0" i="0" dirty="0">
+                <a:solidFill>
+                  <a:schemeClr val="accent1"/>
+                </a:solidFill>
+                <a:effectLst/>
+                <a:latin typeface="CMR10"/>
+              </a:rPr>
+              <a:t>AnalyzeMFT.py</a:t>
+            </a:r>
+            <a:br>
+              <a:rPr lang="en-US" sz="2000" b="0" i="0" dirty="0">
+                <a:solidFill>
+                  <a:schemeClr val="accent1"/>
+                </a:solidFill>
+                <a:effectLst/>
+                <a:latin typeface="CMR10"/>
+              </a:rPr>
+            </a:br>
+            <a:r>
+              <a:rPr lang="en-US" sz="2000" b="0" i="1" dirty="0">
+                <a:solidFill>
+                  <a:schemeClr val="accent1"/>
+                </a:solidFill>
+                <a:effectLst/>
+                <a:latin typeface="CMSY10"/>
+              </a:rPr>
+              <a:t>• </a:t>
+            </a:r>
+            <a:r>
+              <a:rPr lang="en-US" sz="2000" b="0" i="0" dirty="0">
+                <a:solidFill>
+                  <a:schemeClr val="accent1"/>
+                </a:solidFill>
+                <a:effectLst/>
+                <a:latin typeface="CMR10"/>
+              </a:rPr>
+              <a:t>Mac-robber</a:t>
+            </a:r>
+            <a:br>
+              <a:rPr lang="en-US" sz="2000" b="0" i="0" dirty="0">
+                <a:solidFill>
+                  <a:schemeClr val="accent1"/>
+                </a:solidFill>
+                <a:effectLst/>
+                <a:latin typeface="CMR10"/>
+              </a:rPr>
+            </a:br>
+            <a:r>
+              <a:rPr lang="en-US" sz="2000" b="0" i="1" dirty="0">
+                <a:solidFill>
+                  <a:schemeClr val="accent1"/>
+                </a:solidFill>
+                <a:effectLst/>
+                <a:latin typeface="CMSY10"/>
+              </a:rPr>
+              <a:t>• </a:t>
+            </a:r>
+            <a:r>
+              <a:rPr lang="en-US" sz="2000" b="0" i="0" dirty="0">
+                <a:solidFill>
+                  <a:schemeClr val="accent1"/>
+                </a:solidFill>
+                <a:effectLst/>
+                <a:latin typeface="CMR10"/>
+              </a:rPr>
+              <a:t>DFF (Digital Forensic Framework)</a:t>
+            </a:r>
+            <a:r>
+              <a:rPr lang="en-US" sz="2000" dirty="0">
+                <a:solidFill>
+                  <a:schemeClr val="accent1"/>
+                </a:solidFill>
+              </a:rPr>
+              <a:t> </a:t>
+            </a:r>
+            <a:br>
+              <a:rPr lang="en-US" sz="2000" dirty="0"/>
+            </a:br>
+            <a:r>
+              <a:rPr lang="en-US" sz="2000" dirty="0">
+                <a:solidFill>
+                  <a:schemeClr val="accent1"/>
+                </a:solidFill>
+                <a:latin typeface="CMR10"/>
+              </a:rPr>
+              <a:t>• The Coroner’s Toolkit (grave-robber, </a:t>
+            </a:r>
+            <a:r>
+              <a:rPr lang="en-US" sz="2000" dirty="0" err="1">
+                <a:solidFill>
+                  <a:schemeClr val="accent1"/>
+                </a:solidFill>
+                <a:latin typeface="CMR10"/>
+              </a:rPr>
+              <a:t>mactime</a:t>
+            </a:r>
+            <a:r>
+              <a:rPr lang="en-US" sz="2000" dirty="0">
+                <a:solidFill>
+                  <a:schemeClr val="accent1"/>
+                </a:solidFill>
+                <a:latin typeface="CMR10"/>
+              </a:rPr>
+              <a:t>)</a:t>
+            </a:r>
+            <a:br>
+              <a:rPr lang="en-US" sz="2000" dirty="0">
+                <a:solidFill>
+                  <a:schemeClr val="accent1"/>
+                </a:solidFill>
+                <a:latin typeface="CMR10"/>
+              </a:rPr>
+            </a:br>
+            <a:r>
+              <a:rPr lang="en-US" sz="2000" dirty="0">
+                <a:solidFill>
+                  <a:schemeClr val="accent1"/>
+                </a:solidFill>
+                <a:latin typeface="CMR10"/>
+              </a:rPr>
+              <a:t>• </a:t>
+            </a:r>
+            <a:r>
+              <a:rPr lang="en-US" sz="2000" dirty="0" err="1">
+                <a:solidFill>
+                  <a:schemeClr val="accent1"/>
+                </a:solidFill>
+                <a:latin typeface="CMR10"/>
+              </a:rPr>
+              <a:t>NFILabs</a:t>
+            </a:r>
+            <a:r>
+              <a:rPr lang="en-US" sz="2000" dirty="0">
+                <a:solidFill>
+                  <a:schemeClr val="accent1"/>
+                </a:solidFill>
+                <a:latin typeface="CMR10"/>
+              </a:rPr>
+              <a:t> Aftertime</a:t>
+            </a:r>
+            <a:br>
+              <a:rPr lang="en-US" sz="2000" dirty="0">
+                <a:solidFill>
+                  <a:schemeClr val="accent1"/>
+                </a:solidFill>
+                <a:latin typeface="CMR10"/>
+              </a:rPr>
+            </a:br>
+            <a:r>
+              <a:rPr lang="en-US" sz="2000" dirty="0">
+                <a:solidFill>
+                  <a:schemeClr val="accent1"/>
+                </a:solidFill>
+                <a:latin typeface="CMR10"/>
+              </a:rPr>
+              <a:t>• SIMILE </a:t>
+            </a:r>
+            <a:r>
+              <a:rPr lang="en-US" sz="2000" dirty="0" err="1">
+                <a:solidFill>
+                  <a:schemeClr val="accent1"/>
+                </a:solidFill>
+                <a:latin typeface="CMR10"/>
+              </a:rPr>
+              <a:t>Timeplot</a:t>
+            </a:r>
+            <a:r>
+              <a:rPr lang="en-US" sz="2000" dirty="0">
+                <a:solidFill>
+                  <a:schemeClr val="accent1"/>
+                </a:solidFill>
+                <a:latin typeface="CMR10"/>
+              </a:rPr>
+              <a:t> </a:t>
+            </a:r>
+            <a:br>
+              <a:rPr lang="en-US" dirty="0"/>
+            </a:br>
+            <a:endParaRPr lang="en-US" dirty="0"/>
+          </a:p>
+        </p:txBody>
+      </p:sp>
+      <p:sp>
+        <p:nvSpPr>
+          <p:cNvPr id="6" name="TextBox 5">
+            <a:extLst>
+              <a:ext uri="{FF2B5EF4-FFF2-40B4-BE49-F238E27FC236}">
+                <a16:creationId xmlns:a16="http://schemas.microsoft.com/office/drawing/2014/main" id="{393BD8ED-E541-4D87-889D-6094BE45CA4F}"/>
+              </a:ext>
+            </a:extLst>
+          </p:cNvPr>
+          <p:cNvSpPr txBox="1"/>
+          <p:nvPr/>
+        </p:nvSpPr>
+        <p:spPr>
+          <a:xfrm>
+            <a:off x="330048" y="506706"/>
+            <a:ext cx="3853939" cy="707886"/>
+          </a:xfrm>
+          <a:prstGeom prst="rect">
+            <a:avLst/>
+          </a:prstGeom>
+          <a:noFill/>
+        </p:spPr>
+        <p:txBody>
+          <a:bodyPr wrap="none" rtlCol="0">
+            <a:spAutoFit/>
+          </a:bodyPr>
+          <a:lstStyle/>
+          <a:p>
+            <a:pPr marL="0" marR="0" lvl="0" indent="0" algn="ctr" defTabSz="914400" rtl="0" eaLnBrk="1" fontAlgn="auto" latinLnBrk="0" hangingPunct="1">
+              <a:lnSpc>
+                <a:spcPct val="100000"/>
+              </a:lnSpc>
+              <a:spcBef>
+                <a:spcPts val="0"/>
+              </a:spcBef>
+              <a:spcAft>
+                <a:spcPts val="0"/>
+              </a:spcAft>
+              <a:buClrTx/>
+              <a:buSzTx/>
+              <a:buFontTx/>
+              <a:buNone/>
+              <a:tabLst/>
+              <a:defRPr/>
+            </a:pPr>
+            <a:r>
+              <a:rPr lang="en-US" sz="4000" b="1" spc="-400" dirty="0">
+                <a:solidFill>
+                  <a:schemeClr val="accent5"/>
+                </a:solidFill>
+                <a:latin typeface="Open Sans"/>
+              </a:rPr>
+              <a:t>Tools for timeline:</a:t>
+            </a:r>
+            <a:endParaRPr lang="id-ID" sz="4000" b="1" spc="-400" dirty="0">
+              <a:solidFill>
+                <a:schemeClr val="accent5"/>
+              </a:solidFill>
+              <a:latin typeface="Open Sans"/>
+            </a:endParaRPr>
+          </a:p>
+        </p:txBody>
+      </p:sp>
+    </p:spTree>
+    <p:extLst>
+      <p:ext uri="{BB962C8B-B14F-4D97-AF65-F5344CB8AC3E}">
+        <p14:creationId xmlns:p14="http://schemas.microsoft.com/office/powerpoint/2010/main" val="1181962058"/>
+      </p:ext>
+    </p:extLst>
+  </p:cSld>
+  <p:clrMapOvr>
+    <a:masterClrMapping/>
+  </p:clrMapOvr>
+  <p:transition spd="slow">
+    <p:comb/>
+  </p:transition>
+</p:sld>
+</file>
+
+<file path=ppt/slides/slide23.xml><?xml version="1.0" encoding="utf-8"?>
+<p:sld xmlns:a="http://schemas.openxmlformats.org/drawingml/2006/main" xmlns:r="http://schemas.openxmlformats.org/officeDocument/2006/relationships" xmlns:p="http://schemas.openxmlformats.org/presentationml/2006/main">
+  <p:cSld>
+    <p:bg>
+      <p:bgPr>
+        <a:solidFill>
           <a:schemeClr val="accent6"/>
         </a:solidFill>
         <a:effectLst/>
@@ -25738,23 +27599,6 @@
               </a:rPr>
               <a:t>Reference</a:t>
             </a:r>
-            <a:r>
-              <a:rPr kumimoji="0" lang="en-US" sz="2133" b="1" i="1" u="none" strike="noStrike" kern="1200" cap="none" spc="0" normalizeH="0" baseline="0" noProof="0" dirty="0">
-                <a:ln>
-                  <a:noFill/>
-                </a:ln>
-                <a:solidFill>
-                  <a:prstClr val="white"/>
-                </a:solidFill>
-                <a:effectLst/>
-                <a:uLnTx/>
-                <a:uFillTx/>
-                <a:latin typeface="Open Sans"/>
-                <a:ea typeface="+mn-ea"/>
-                <a:cs typeface="+mn-cs"/>
-              </a:rPr>
-              <a:t>:</a:t>
-            </a:r>
             <a:endParaRPr kumimoji="0" lang="id-ID" sz="2133" b="1" i="1" u="none" strike="noStrike" kern="1200" cap="none" spc="0" normalizeH="0" baseline="0" noProof="0" dirty="0">
               <a:ln>
                 <a:noFill/>
@@ -25864,7 +27708,7 @@
         </p:nvSpPr>
         <p:spPr>
           <a:xfrm>
-            <a:off x="2738693" y="3805517"/>
+            <a:off x="2738693" y="4625806"/>
             <a:ext cx="6096000" cy="923330"/>
           </a:xfrm>
           <a:prstGeom prst="rect">
@@ -25914,7 +27758,7 @@
         </p:nvSpPr>
         <p:spPr>
           <a:xfrm>
-            <a:off x="1590621" y="3756229"/>
+            <a:off x="1590621" y="4625806"/>
             <a:ext cx="825867" cy="400110"/>
           </a:xfrm>
           <a:prstGeom prst="rect">
@@ -26020,6 +27864,44 @@
                 <a:hlinkClick r:id="rId6"/>
               </a:rPr>
               <a:t>https://docplayer.net/9932295-File-history-analysis-windows-8.html</a:t>
+            </a:r>
+            <a:endParaRPr lang="en-US" dirty="0"/>
+          </a:p>
+        </p:txBody>
+      </p:sp>
+      <p:sp>
+        <p:nvSpPr>
+          <p:cNvPr id="10" name="TextBox 9">
+            <a:extLst>
+              <a:ext uri="{FF2B5EF4-FFF2-40B4-BE49-F238E27FC236}">
+                <a16:creationId xmlns:a16="http://schemas.microsoft.com/office/drawing/2014/main" id="{2B30FFAB-7564-44EC-96B1-EDBE53170994}"/>
+              </a:ext>
+            </a:extLst>
+          </p:cNvPr>
+          <p:cNvSpPr txBox="1"/>
+          <p:nvPr/>
+        </p:nvSpPr>
+        <p:spPr>
+          <a:xfrm>
+            <a:off x="2738693" y="3755984"/>
+            <a:ext cx="6096000" cy="646331"/>
+          </a:xfrm>
+          <a:prstGeom prst="rect">
+            <a:avLst/>
+          </a:prstGeom>
+          <a:noFill/>
+        </p:spPr>
+        <p:txBody>
+          <a:bodyPr wrap="square">
+            <a:spAutoFit/>
+          </a:bodyPr>
+          <a:lstStyle/>
+          <a:p>
+            <a:r>
+              <a:rPr lang="en-US" dirty="0">
+                <a:hlinkClick r:id="rId7"/>
+              </a:rPr>
+              <a:t>Timeline2GUI: A Log2Timeline CSV parser and training scenarios - ScienceDirect</a:t>
             </a:r>
             <a:endParaRPr lang="en-US" dirty="0"/>
           </a:p>
@@ -26481,7 +28363,7 @@
 </p:sld>
 </file>
 
-<file path=ppt/slides/slide21.xml><?xml version="1.0" encoding="utf-8"?>
+<file path=ppt/slides/slide24.xml><?xml version="1.0" encoding="utf-8"?>
 <p:sld xmlns:a="http://schemas.openxmlformats.org/drawingml/2006/main" xmlns:r="http://schemas.openxmlformats.org/officeDocument/2006/relationships" xmlns:p="http://schemas.openxmlformats.org/presentationml/2006/main">
   <p:cSld>
     <p:bg>
@@ -31071,8 +32953,8 @@
         </p:nvSpPr>
         <p:spPr>
           <a:xfrm>
-            <a:off x="413652" y="744586"/>
-            <a:ext cx="4993676" cy="584775"/>
+            <a:off x="338725" y="792195"/>
+            <a:ext cx="3236976" cy="584775"/>
           </a:xfrm>
           <a:prstGeom prst="rect">
             <a:avLst/>
@@ -31103,31 +32985,13 @@
               <a:defRPr/>
             </a:pPr>
             <a:r>
-              <a:rPr lang="en-ID" sz="3200" b="1" dirty="0">
+              <a:rPr lang="en-ID" sz="3200" b="1" noProof="0" dirty="0">
                 <a:solidFill>
                   <a:srgbClr val="0070C0"/>
                 </a:solidFill>
                 <a:latin typeface="Open Sans"/>
               </a:rPr>
-              <a:t>What is </a:t>
-            </a:r>
-            <a:r>
-              <a:rPr lang="en-ID" sz="3200" b="1" dirty="0" err="1">
-                <a:solidFill>
-                  <a:srgbClr val="0070C0"/>
-                </a:solidFill>
-                <a:latin typeface="Open Sans"/>
-              </a:rPr>
-              <a:t>supertimeline</a:t>
-            </a:r>
-            <a:r>
-              <a:rPr lang="en-ID" sz="3200" b="1" dirty="0">
-                <a:solidFill>
-                  <a:srgbClr val="0070C0"/>
-                </a:solidFill>
-                <a:latin typeface="Open Sans"/>
-              </a:rPr>
-              <a:t> ?</a:t>
+              <a:t>Outlines Today</a:t>
             </a:r>
             <a:endParaRPr kumimoji="0" lang="id-ID" sz="2133" b="0" i="1" u="none" strike="noStrike" kern="1200" cap="none" spc="0" normalizeH="0" baseline="0" noProof="0" dirty="0">
               <a:ln>
@@ -31159,7 +33023,7 @@
         <p:spPr>
           <a:xfrm>
             <a:off x="1957213" y="4519844"/>
-            <a:ext cx="1059906" cy="646331"/>
+            <a:ext cx="1289135" cy="369332"/>
           </a:xfrm>
           <a:prstGeom prst="rect">
             <a:avLst/>
@@ -31179,18 +33043,7 @@
                 </a:solidFill>
                 <a:latin typeface="Bahnschrift Light" panose="020B0502040204020203" pitchFamily="34" charset="0"/>
               </a:rPr>
-              <a:t>Window </a:t>
-            </a:r>
-          </a:p>
-          <a:p>
-            <a:r>
-              <a:rPr lang="en-US" b="1" dirty="0">
-                <a:solidFill>
-                  <a:srgbClr val="25B89A"/>
-                </a:solidFill>
-                <a:latin typeface="Bahnschrift Light" panose="020B0502040204020203" pitchFamily="34" charset="0"/>
-              </a:rPr>
-              <a:t>artifacts</a:t>
+              <a:t>Definitions</a:t>
             </a:r>
           </a:p>
         </p:txBody>
@@ -31210,7 +33063,7 @@
         <p:spPr>
           <a:xfrm>
             <a:off x="3466233" y="4508244"/>
-            <a:ext cx="1047082" cy="369332"/>
+            <a:ext cx="1531188" cy="646331"/>
           </a:xfrm>
           <a:prstGeom prst="rect">
             <a:avLst/>
@@ -31233,17 +33086,22 @@
                 </a:solidFill>
                 <a:latin typeface="Bahnschrift Light" panose="020B0502040204020203" pitchFamily="34" charset="0"/>
               </a:rPr>
-              <a:t>Registry</a:t>
-            </a:r>
-            <a:endParaRPr lang="en-US" b="1" dirty="0">
-              <a:solidFill>
-                <a:schemeClr val="accent2">
-                  <a:lumMod val="60000"/>
-                  <a:lumOff val="40000"/>
-                </a:schemeClr>
-              </a:solidFill>
-              <a:latin typeface="Bahnschrift Light" panose="020B0502040204020203" pitchFamily="34" charset="0"/>
-            </a:endParaRPr>
+              <a:t>Window</a:t>
+            </a:r>
+          </a:p>
+          <a:p>
+            <a:r>
+              <a:rPr lang="en-US" b="1" dirty="0">
+                <a:solidFill>
+                  <a:schemeClr val="accent2">
+                    <a:lumMod val="60000"/>
+                    <a:lumOff val="40000"/>
+                  </a:schemeClr>
+                </a:solidFill>
+                <a:latin typeface="Bahnschrift Light" panose="020B0502040204020203" pitchFamily="34" charset="0"/>
+              </a:rPr>
+              <a:t>(File History)</a:t>
+            </a:r>
           </a:p>
         </p:txBody>
       </p:sp>
@@ -31261,8 +33119,8 @@
         </p:nvSpPr>
         <p:spPr>
           <a:xfrm>
-            <a:off x="4411229" y="4508244"/>
-            <a:ext cx="1494320" cy="369332"/>
+            <a:off x="4971520" y="4543649"/>
+            <a:ext cx="994183" cy="646331"/>
           </a:xfrm>
           <a:prstGeom prst="rect">
             <a:avLst/>
@@ -31282,14 +33140,19 @@
                 </a:solidFill>
                 <a:latin typeface="Bahnschrift Light" panose="020B0502040204020203" pitchFamily="34" charset="0"/>
               </a:rPr>
-              <a:t>File systems</a:t>
-            </a:r>
-            <a:endParaRPr lang="en-US" b="1" dirty="0">
-              <a:solidFill>
-                <a:srgbClr val="92D050"/>
-              </a:solidFill>
-              <a:latin typeface="Bahnschrift Light" panose="020B0502040204020203" pitchFamily="34" charset="0"/>
-            </a:endParaRPr>
+              <a:t>Linux</a:t>
+            </a:r>
+          </a:p>
+          <a:p>
+            <a:r>
+              <a:rPr lang="en-US" b="1" dirty="0">
+                <a:solidFill>
+                  <a:srgbClr val="92D050"/>
+                </a:solidFill>
+                <a:latin typeface="Bahnschrift Light" panose="020B0502040204020203" pitchFamily="34" charset="0"/>
+              </a:rPr>
+              <a:t>(Plugin)</a:t>
+            </a:r>
           </a:p>
         </p:txBody>
       </p:sp>
@@ -31307,8 +33170,8 @@
         </p:nvSpPr>
         <p:spPr>
           <a:xfrm>
-            <a:off x="6039671" y="4519844"/>
-            <a:ext cx="1133644" cy="369332"/>
+            <a:off x="6384313" y="4543649"/>
+            <a:ext cx="628698" cy="369332"/>
           </a:xfrm>
           <a:prstGeom prst="rect">
             <a:avLst/>
@@ -31328,7 +33191,7 @@
                 </a:solidFill>
                 <a:latin typeface="Bahnschrift Light" panose="020B0502040204020203" pitchFamily="34" charset="0"/>
               </a:rPr>
-              <a:t>Metadata</a:t>
+              <a:t>Web</a:t>
             </a:r>
             <a:endParaRPr lang="en-US" b="1" dirty="0">
               <a:solidFill>
@@ -31353,8 +33216,8 @@
         </p:nvSpPr>
         <p:spPr>
           <a:xfrm>
-            <a:off x="7309380" y="4531696"/>
-            <a:ext cx="1075936" cy="646331"/>
+            <a:off x="7741944" y="4543649"/>
+            <a:ext cx="784189" cy="369332"/>
           </a:xfrm>
           <a:prstGeom prst="rect">
             <a:avLst/>
@@ -31368,32 +33231,6 @@
           <a:lstStyle/>
           <a:p>
             <a:r>
-              <a:rPr lang="en-US" dirty="0">
-                <a:solidFill>
-                  <a:schemeClr val="accent5">
-                    <a:lumMod val="60000"/>
-                    <a:lumOff val="40000"/>
-                  </a:schemeClr>
-                </a:solidFill>
-                <a:latin typeface="Bahnschrift Light" panose="020B0502040204020203" pitchFamily="34" charset="0"/>
-              </a:rPr>
-              <a:t>So on …</a:t>
-            </a:r>
-          </a:p>
-          <a:p>
-            <a:r>
-              <a:rPr lang="en-US" b="1" dirty="0" err="1">
-                <a:solidFill>
-                  <a:schemeClr val="accent5">
-                    <a:lumMod val="60000"/>
-                    <a:lumOff val="40000"/>
-                  </a:schemeClr>
-                </a:solidFill>
-                <a:latin typeface="Bahnschrift Light" panose="020B0502040204020203" pitchFamily="34" charset="0"/>
-              </a:rPr>
-              <a:t>bla</a:t>
-            </a:r>
-            <a:r>
               <a:rPr lang="en-US" b="1" dirty="0">
                 <a:solidFill>
                   <a:schemeClr val="accent5">
@@ -31403,29 +33240,8 @@
                 </a:solidFill>
                 <a:latin typeface="Bahnschrift Light" panose="020B0502040204020203" pitchFamily="34" charset="0"/>
               </a:rPr>
-              <a:t> … </a:t>
-            </a:r>
-            <a:r>
-              <a:rPr lang="en-US" b="1" dirty="0" err="1">
-                <a:solidFill>
-                  <a:schemeClr val="accent5">
-                    <a:lumMod val="60000"/>
-                    <a:lumOff val="40000"/>
-                  </a:schemeClr>
-                </a:solidFill>
-                <a:latin typeface="Bahnschrift Light" panose="020B0502040204020203" pitchFamily="34" charset="0"/>
-              </a:rPr>
-              <a:t>bla</a:t>
-            </a:r>
-            <a:endParaRPr lang="en-US" b="1" dirty="0">
-              <a:solidFill>
-                <a:schemeClr val="accent5">
-                  <a:lumMod val="60000"/>
-                  <a:lumOff val="40000"/>
-                </a:schemeClr>
-              </a:solidFill>
-              <a:latin typeface="Bahnschrift Light" panose="020B0502040204020203" pitchFamily="34" charset="0"/>
-            </a:endParaRPr>
+              <a:t>Demo</a:t>
+            </a:r>
           </a:p>
         </p:txBody>
       </p:sp>
@@ -33058,6 +34874,9 @@
           <a:solidFill>
             <a:schemeClr val="accent2"/>
           </a:solidFill>
+          <a:ln>
+            <a:noFill/>
+          </a:ln>
         </p:spPr>
         <p:style>
           <a:lnRef idx="2">
@@ -33107,6 +34926,9 @@
           <a:solidFill>
             <a:srgbClr val="FF0000"/>
           </a:solidFill>
+          <a:ln>
+            <a:noFill/>
+          </a:ln>
         </p:spPr>
         <p:style>
           <a:lnRef idx="2">
@@ -33153,6 +34975,9 @@
           <a:prstGeom prst="ellipse">
             <a:avLst/>
           </a:prstGeom>
+          <a:ln>
+            <a:noFill/>
+          </a:ln>
         </p:spPr>
         <p:style>
           <a:lnRef idx="2">
@@ -33202,6 +35027,9 @@
           <a:solidFill>
             <a:srgbClr val="FFC000"/>
           </a:solidFill>
+          <a:ln>
+            <a:noFill/>
+          </a:ln>
         </p:spPr>
         <p:style>
           <a:lnRef idx="2">
@@ -33308,7 +35136,7 @@
             <a:r>
               <a:rPr lang="en-US" sz="1400" dirty="0">
                 <a:solidFill>
-                  <a:schemeClr val="bg1"/>
+                  <a:srgbClr val="FF0000"/>
                 </a:solidFill>
               </a:rPr>
               <a:t>Event logs</a:t>
@@ -33347,14 +35175,14 @@
             <a:r>
               <a:rPr lang="en-US" sz="1400" dirty="0" err="1">
                 <a:solidFill>
-                  <a:schemeClr val="bg1"/>
+                  <a:srgbClr val="00B0F0"/>
                 </a:solidFill>
               </a:rPr>
               <a:t>Shellbags</a:t>
             </a:r>
             <a:endParaRPr lang="en-US" sz="1400" dirty="0">
               <a:solidFill>
-                <a:schemeClr val="bg1"/>
+                <a:srgbClr val="00B0F0"/>
               </a:solidFill>
             </a:endParaRPr>
           </a:p>
@@ -33391,7 +35219,7 @@
             <a:r>
               <a:rPr lang="en-US" sz="1400" dirty="0">
                 <a:solidFill>
-                  <a:schemeClr val="bg1"/>
+                  <a:srgbClr val="FFFF00"/>
                 </a:solidFill>
               </a:rPr>
               <a:t>Prefetch</a:t>
@@ -33430,7 +35258,10 @@
             <a:r>
               <a:rPr lang="en-US" sz="1400" dirty="0">
                 <a:solidFill>
-                  <a:schemeClr val="bg1"/>
+                  <a:schemeClr val="accent4">
+                    <a:lumMod val="60000"/>
+                    <a:lumOff val="40000"/>
+                  </a:schemeClr>
                 </a:solidFill>
               </a:rPr>
               <a:t>Register</a:t>
@@ -33469,7 +35300,7 @@
             <a:r>
               <a:rPr lang="en-US" sz="1400" dirty="0">
                 <a:solidFill>
-                  <a:schemeClr val="bg1"/>
+                  <a:srgbClr val="00B0F0"/>
                 </a:solidFill>
               </a:rPr>
               <a:t>Link files</a:t>
